--- a/HTML/ppt/07.pptx
+++ b/HTML/ppt/07.pptx
@@ -118,7 +118,7 @@
   </p:defaultTextStyle>
   <p:extLst>
     <p:ext uri="{EFAFB233-063F-42B5-8137-9DF3F51BA10A}">
-      <p15:sldGuideLst xmlns:p15="http://schemas.microsoft.com/office/powerpoint/2012/main"/>
+      <p15:sldGuideLst xmlns:p15="http://schemas.microsoft.com/office/powerpoint/2012/main" xmlns=""/>
     </p:ext>
   </p:extLst>
 </p:presentation>
@@ -203,7 +203,7 @@
           <a:p>
             <a:fld id="{AA93C23F-80D8-41F7-A602-5BAA4D96D6F7}" type="datetimeFigureOut">
               <a:rPr lang="ko-KR" altLang="en-US" smtClean="0"/>
-              <a:t>2021-01-03</a:t>
+              <a:t>2021-09-17</a:t>
             </a:fld>
             <a:endParaRPr lang="ko-KR" altLang="en-US"/>
           </a:p>
@@ -256,7 +256,7 @@
           <p:cNvPr id="7" name="그림 6">
             <a:extLst>
               <a:ext uri="{FF2B5EF4-FFF2-40B4-BE49-F238E27FC236}">
-                <a16:creationId xmlns:a16="http://schemas.microsoft.com/office/drawing/2014/main" id="{07614ECC-682A-43C2-99CA-0638D3969CAD}"/>
+                <a16:creationId xmlns:a16="http://schemas.microsoft.com/office/drawing/2014/main" xmlns="" id="{07614ECC-682A-43C2-99CA-0638D3969CAD}"/>
               </a:ext>
             </a:extLst>
           </p:cNvPr>
@@ -266,7 +266,7 @@
           <p:nvPr userDrawn="1"/>
         </p:nvPicPr>
         <p:blipFill>
-          <a:blip r:embed="rId2">
+          <a:blip r:embed="rId2" cstate="print">
             <a:extLst>
               <a:ext uri="{28A0092B-C50C-407E-A947-70E740481C1C}">
                 <a14:useLocalDpi xmlns:a14="http://schemas.microsoft.com/office/drawing/2010/main" val="0"/>
@@ -292,7 +292,7 @@
           <p:cNvPr id="12" name="그림 11">
             <a:extLst>
               <a:ext uri="{FF2B5EF4-FFF2-40B4-BE49-F238E27FC236}">
-                <a16:creationId xmlns:a16="http://schemas.microsoft.com/office/drawing/2014/main" id="{2DACDF48-EF40-451F-A48F-AFF99B099716}"/>
+                <a16:creationId xmlns:a16="http://schemas.microsoft.com/office/drawing/2014/main" xmlns="" id="{2DACDF48-EF40-451F-A48F-AFF99B099716}"/>
               </a:ext>
             </a:extLst>
           </p:cNvPr>
@@ -302,7 +302,7 @@
           <p:nvPr userDrawn="1"/>
         </p:nvPicPr>
         <p:blipFill rotWithShape="1">
-          <a:blip r:embed="rId3">
+          <a:blip r:embed="rId3" cstate="print">
             <a:extLst>
               <a:ext uri="{28A0092B-C50C-407E-A947-70E740481C1C}">
                 <a14:useLocalDpi xmlns:a14="http://schemas.microsoft.com/office/drawing/2010/main" val="0"/>
@@ -332,7 +332,7 @@
           <p:cNvPr id="11" name="직사각형 10">
             <a:extLst>
               <a:ext uri="{FF2B5EF4-FFF2-40B4-BE49-F238E27FC236}">
-                <a16:creationId xmlns:a16="http://schemas.microsoft.com/office/drawing/2014/main" id="{4E0D822C-E76D-4041-9019-177102919703}"/>
+                <a16:creationId xmlns:a16="http://schemas.microsoft.com/office/drawing/2014/main" xmlns="" id="{4E0D822C-E76D-4041-9019-177102919703}"/>
               </a:ext>
             </a:extLst>
           </p:cNvPr>
@@ -501,7 +501,7 @@
           <a:p>
             <a:fld id="{AA93C23F-80D8-41F7-A602-5BAA4D96D6F7}" type="datetimeFigureOut">
               <a:rPr lang="ko-KR" altLang="en-US" smtClean="0"/>
-              <a:t>2021-01-03</a:t>
+              <a:t>2021-09-17</a:t>
             </a:fld>
             <a:endParaRPr lang="ko-KR" altLang="en-US"/>
           </a:p>
@@ -679,7 +679,7 @@
           <a:p>
             <a:fld id="{AA93C23F-80D8-41F7-A602-5BAA4D96D6F7}" type="datetimeFigureOut">
               <a:rPr lang="ko-KR" altLang="en-US" smtClean="0"/>
-              <a:t>2021-01-03</a:t>
+              <a:t>2021-09-17</a:t>
             </a:fld>
             <a:endParaRPr lang="ko-KR" altLang="en-US"/>
           </a:p>
@@ -762,7 +762,7 @@
           <p:cNvPr id="2" name="제목 1">
             <a:extLst>
               <a:ext uri="{FF2B5EF4-FFF2-40B4-BE49-F238E27FC236}">
-                <a16:creationId xmlns:a16="http://schemas.microsoft.com/office/drawing/2014/main" id="{1706266A-C624-42C8-B7AE-4176FFA57D3A}"/>
+                <a16:creationId xmlns:a16="http://schemas.microsoft.com/office/drawing/2014/main" xmlns="" id="{1706266A-C624-42C8-B7AE-4176FFA57D3A}"/>
               </a:ext>
             </a:extLst>
           </p:cNvPr>
@@ -799,7 +799,7 @@
           <p:cNvPr id="3" name="부제목 2">
             <a:extLst>
               <a:ext uri="{FF2B5EF4-FFF2-40B4-BE49-F238E27FC236}">
-                <a16:creationId xmlns:a16="http://schemas.microsoft.com/office/drawing/2014/main" id="{CF1E8150-D664-4750-BFAF-800E899E164E}"/>
+                <a16:creationId xmlns:a16="http://schemas.microsoft.com/office/drawing/2014/main" xmlns="" id="{CF1E8150-D664-4750-BFAF-800E899E164E}"/>
               </a:ext>
             </a:extLst>
           </p:cNvPr>
@@ -869,7 +869,7 @@
           <p:cNvPr id="4" name="날짜 개체 틀 3">
             <a:extLst>
               <a:ext uri="{FF2B5EF4-FFF2-40B4-BE49-F238E27FC236}">
-                <a16:creationId xmlns:a16="http://schemas.microsoft.com/office/drawing/2014/main" id="{B77FCA92-17C5-41B3-A975-E0729DBEBFBF}"/>
+                <a16:creationId xmlns:a16="http://schemas.microsoft.com/office/drawing/2014/main" xmlns="" id="{B77FCA92-17C5-41B3-A975-E0729DBEBFBF}"/>
               </a:ext>
             </a:extLst>
           </p:cNvPr>
@@ -887,7 +887,7 @@
           <a:p>
             <a:fld id="{7A0B29D9-43B6-4ACD-848D-FA6E666794B9}" type="datetimeFigureOut">
               <a:rPr lang="ko-KR" altLang="en-US" smtClean="0"/>
-              <a:t>2021-01-03</a:t>
+              <a:t>2021-09-17</a:t>
             </a:fld>
             <a:endParaRPr lang="ko-KR" altLang="en-US"/>
           </a:p>
@@ -898,7 +898,7 @@
           <p:cNvPr id="5" name="바닥글 개체 틀 4">
             <a:extLst>
               <a:ext uri="{FF2B5EF4-FFF2-40B4-BE49-F238E27FC236}">
-                <a16:creationId xmlns:a16="http://schemas.microsoft.com/office/drawing/2014/main" id="{90773A2D-2644-4295-A92E-C83D7ECA0114}"/>
+                <a16:creationId xmlns:a16="http://schemas.microsoft.com/office/drawing/2014/main" xmlns="" id="{90773A2D-2644-4295-A92E-C83D7ECA0114}"/>
               </a:ext>
             </a:extLst>
           </p:cNvPr>
@@ -923,7 +923,7 @@
           <p:cNvPr id="6" name="슬라이드 번호 개체 틀 5">
             <a:extLst>
               <a:ext uri="{FF2B5EF4-FFF2-40B4-BE49-F238E27FC236}">
-                <a16:creationId xmlns:a16="http://schemas.microsoft.com/office/drawing/2014/main" id="{8DB65557-D1D1-44F5-9A09-7A27A7500ACA}"/>
+                <a16:creationId xmlns:a16="http://schemas.microsoft.com/office/drawing/2014/main" xmlns="" id="{8DB65557-D1D1-44F5-9A09-7A27A7500ACA}"/>
               </a:ext>
             </a:extLst>
           </p:cNvPr>
@@ -1083,7 +1083,7 @@
           <a:p>
             <a:fld id="{AA93C23F-80D8-41F7-A602-5BAA4D96D6F7}" type="datetimeFigureOut">
               <a:rPr lang="ko-KR" altLang="en-US" smtClean="0"/>
-              <a:t>2021-01-03</a:t>
+              <a:t>2021-09-17</a:t>
             </a:fld>
             <a:endParaRPr lang="ko-KR" altLang="en-US"/>
           </a:p>
@@ -1328,7 +1328,7 @@
           <a:p>
             <a:fld id="{AA93C23F-80D8-41F7-A602-5BAA4D96D6F7}" type="datetimeFigureOut">
               <a:rPr lang="ko-KR" altLang="en-US" smtClean="0"/>
-              <a:t>2021-01-03</a:t>
+              <a:t>2021-09-17</a:t>
             </a:fld>
             <a:endParaRPr lang="ko-KR" altLang="en-US"/>
           </a:p>
@@ -1557,7 +1557,7 @@
           <a:p>
             <a:fld id="{AA93C23F-80D8-41F7-A602-5BAA4D96D6F7}" type="datetimeFigureOut">
               <a:rPr lang="ko-KR" altLang="en-US" smtClean="0"/>
-              <a:t>2021-01-03</a:t>
+              <a:t>2021-09-17</a:t>
             </a:fld>
             <a:endParaRPr lang="ko-KR" altLang="en-US"/>
           </a:p>
@@ -1921,7 +1921,7 @@
           <a:p>
             <a:fld id="{AA93C23F-80D8-41F7-A602-5BAA4D96D6F7}" type="datetimeFigureOut">
               <a:rPr lang="ko-KR" altLang="en-US" smtClean="0"/>
-              <a:t>2021-01-03</a:t>
+              <a:t>2021-09-17</a:t>
             </a:fld>
             <a:endParaRPr lang="ko-KR" altLang="en-US"/>
           </a:p>
@@ -2043,7 +2043,7 @@
           <a:p>
             <a:fld id="{AA93C23F-80D8-41F7-A602-5BAA4D96D6F7}" type="datetimeFigureOut">
               <a:rPr lang="ko-KR" altLang="en-US" smtClean="0"/>
-              <a:t>2021-01-03</a:t>
+              <a:t>2021-09-17</a:t>
             </a:fld>
             <a:endParaRPr lang="ko-KR" altLang="en-US"/>
           </a:p>
@@ -2138,7 +2138,7 @@
           <a:p>
             <a:fld id="{AA93C23F-80D8-41F7-A602-5BAA4D96D6F7}" type="datetimeFigureOut">
               <a:rPr lang="ko-KR" altLang="en-US" smtClean="0"/>
-              <a:t>2021-01-03</a:t>
+              <a:t>2021-09-17</a:t>
             </a:fld>
             <a:endParaRPr lang="ko-KR" altLang="en-US"/>
           </a:p>
@@ -2413,7 +2413,7 @@
           <a:p>
             <a:fld id="{AA93C23F-80D8-41F7-A602-5BAA4D96D6F7}" type="datetimeFigureOut">
               <a:rPr lang="ko-KR" altLang="en-US" smtClean="0"/>
-              <a:t>2021-01-03</a:t>
+              <a:t>2021-09-17</a:t>
             </a:fld>
             <a:endParaRPr lang="ko-KR" altLang="en-US"/>
           </a:p>
@@ -2668,7 +2668,7 @@
           <a:p>
             <a:fld id="{AA93C23F-80D8-41F7-A602-5BAA4D96D6F7}" type="datetimeFigureOut">
               <a:rPr lang="ko-KR" altLang="en-US" smtClean="0"/>
-              <a:t>2021-01-03</a:t>
+              <a:t>2021-09-17</a:t>
             </a:fld>
             <a:endParaRPr lang="ko-KR" altLang="en-US"/>
           </a:p>
@@ -2756,7 +2756,7 @@
           <p:cNvPr id="7" name="직사각형 6">
             <a:extLst>
               <a:ext uri="{FF2B5EF4-FFF2-40B4-BE49-F238E27FC236}">
-                <a16:creationId xmlns:a16="http://schemas.microsoft.com/office/drawing/2014/main" id="{63317FCE-2A0E-48C2-8A7C-05C172CEA588}"/>
+                <a16:creationId xmlns:a16="http://schemas.microsoft.com/office/drawing/2014/main" xmlns="" id="{63317FCE-2A0E-48C2-8A7C-05C172CEA588}"/>
               </a:ext>
             </a:extLst>
           </p:cNvPr>
@@ -2912,7 +2912,7 @@
           <a:p>
             <a:fld id="{AA93C23F-80D8-41F7-A602-5BAA4D96D6F7}" type="datetimeFigureOut">
               <a:rPr lang="ko-KR" altLang="en-US" smtClean="0"/>
-              <a:t>2021-01-03</a:t>
+              <a:t>2021-09-17</a:t>
             </a:fld>
             <a:endParaRPr lang="ko-KR" altLang="en-US"/>
           </a:p>
@@ -3356,7 +3356,7 @@
           <p:cNvPr id="2" name="제목 1">
             <a:extLst>
               <a:ext uri="{FF2B5EF4-FFF2-40B4-BE49-F238E27FC236}">
-                <a16:creationId xmlns:a16="http://schemas.microsoft.com/office/drawing/2014/main" id="{05C7C753-9F88-4254-9862-F6A87176F751}"/>
+                <a16:creationId xmlns:a16="http://schemas.microsoft.com/office/drawing/2014/main" xmlns="" id="{05C7C753-9F88-4254-9862-F6A87176F751}"/>
               </a:ext>
             </a:extLst>
           </p:cNvPr>
@@ -3390,7 +3390,7 @@
           <p:cNvPr id="7" name="그룹 6">
             <a:extLst>
               <a:ext uri="{FF2B5EF4-FFF2-40B4-BE49-F238E27FC236}">
-                <a16:creationId xmlns:a16="http://schemas.microsoft.com/office/drawing/2014/main" id="{3020E55D-5D6E-47B7-BF49-67DF43FF0CB8}"/>
+                <a16:creationId xmlns:a16="http://schemas.microsoft.com/office/drawing/2014/main" xmlns="" id="{3020E55D-5D6E-47B7-BF49-67DF43FF0CB8}"/>
               </a:ext>
             </a:extLst>
           </p:cNvPr>
@@ -3410,7 +3410,7 @@
             <p:cNvPr id="4" name="직사각형 3">
               <a:extLst>
                 <a:ext uri="{FF2B5EF4-FFF2-40B4-BE49-F238E27FC236}">
-                  <a16:creationId xmlns:a16="http://schemas.microsoft.com/office/drawing/2014/main" id="{7E6505BA-A9A1-46F5-BFC6-A45ABCE494AF}"/>
+                  <a16:creationId xmlns:a16="http://schemas.microsoft.com/office/drawing/2014/main" xmlns="" id="{7E6505BA-A9A1-46F5-BFC6-A45ABCE494AF}"/>
                 </a:ext>
               </a:extLst>
             </p:cNvPr>
@@ -3477,7 +3477,7 @@
             <p:cNvPr id="5" name="TextBox 4">
               <a:extLst>
                 <a:ext uri="{FF2B5EF4-FFF2-40B4-BE49-F238E27FC236}">
-                  <a16:creationId xmlns:a16="http://schemas.microsoft.com/office/drawing/2014/main" id="{2FAFC29B-A5E1-4F15-A5FF-C528129D6456}"/>
+                  <a16:creationId xmlns:a16="http://schemas.microsoft.com/office/drawing/2014/main" xmlns="" id="{2FAFC29B-A5E1-4F15-A5FF-C528129D6456}"/>
                 </a:ext>
               </a:extLst>
             </p:cNvPr>
@@ -3512,7 +3512,7 @@
             <p:cNvPr id="6" name="직선 연결선 5">
               <a:extLst>
                 <a:ext uri="{FF2B5EF4-FFF2-40B4-BE49-F238E27FC236}">
-                  <a16:creationId xmlns:a16="http://schemas.microsoft.com/office/drawing/2014/main" id="{D5239A65-4609-4585-95B3-13DD43DCD16F}"/>
+                  <a16:creationId xmlns:a16="http://schemas.microsoft.com/office/drawing/2014/main" xmlns="" id="{D5239A65-4609-4585-95B3-13DD43DCD16F}"/>
                 </a:ext>
               </a:extLst>
             </p:cNvPr>
@@ -3557,7 +3557,7 @@
           <p:cNvPr id="8" name="그룹 7">
             <a:extLst>
               <a:ext uri="{FF2B5EF4-FFF2-40B4-BE49-F238E27FC236}">
-                <a16:creationId xmlns:a16="http://schemas.microsoft.com/office/drawing/2014/main" id="{6E190102-7915-4123-BF0A-CCE36BBC96B5}"/>
+                <a16:creationId xmlns:a16="http://schemas.microsoft.com/office/drawing/2014/main" xmlns="" id="{6E190102-7915-4123-BF0A-CCE36BBC96B5}"/>
               </a:ext>
             </a:extLst>
           </p:cNvPr>
@@ -3577,7 +3577,7 @@
             <p:cNvPr id="9" name="직사각형 8">
               <a:extLst>
                 <a:ext uri="{FF2B5EF4-FFF2-40B4-BE49-F238E27FC236}">
-                  <a16:creationId xmlns:a16="http://schemas.microsoft.com/office/drawing/2014/main" id="{2427AFCE-6A3E-4080-9562-1AA10A2458B6}"/>
+                  <a16:creationId xmlns:a16="http://schemas.microsoft.com/office/drawing/2014/main" xmlns="" id="{2427AFCE-6A3E-4080-9562-1AA10A2458B6}"/>
                 </a:ext>
               </a:extLst>
             </p:cNvPr>
@@ -3644,7 +3644,7 @@
             <p:cNvPr id="10" name="TextBox 9">
               <a:extLst>
                 <a:ext uri="{FF2B5EF4-FFF2-40B4-BE49-F238E27FC236}">
-                  <a16:creationId xmlns:a16="http://schemas.microsoft.com/office/drawing/2014/main" id="{D28EBFBA-D9F6-4005-B4C7-D7F32D929739}"/>
+                  <a16:creationId xmlns:a16="http://schemas.microsoft.com/office/drawing/2014/main" xmlns="" id="{D28EBFBA-D9F6-4005-B4C7-D7F32D929739}"/>
                 </a:ext>
               </a:extLst>
             </p:cNvPr>
@@ -3679,7 +3679,7 @@
             <p:cNvPr id="11" name="직선 연결선 10">
               <a:extLst>
                 <a:ext uri="{FF2B5EF4-FFF2-40B4-BE49-F238E27FC236}">
-                  <a16:creationId xmlns:a16="http://schemas.microsoft.com/office/drawing/2014/main" id="{4415C905-75E9-4CCE-91A8-8677B974AA97}"/>
+                  <a16:creationId xmlns:a16="http://schemas.microsoft.com/office/drawing/2014/main" xmlns="" id="{4415C905-75E9-4CCE-91A8-8677B974AA97}"/>
                 </a:ext>
               </a:extLst>
             </p:cNvPr>
@@ -3724,7 +3724,7 @@
           <p:cNvPr id="12" name="그룹 11">
             <a:extLst>
               <a:ext uri="{FF2B5EF4-FFF2-40B4-BE49-F238E27FC236}">
-                <a16:creationId xmlns:a16="http://schemas.microsoft.com/office/drawing/2014/main" id="{AC11C891-D0FA-4213-A385-F6CC85809563}"/>
+                <a16:creationId xmlns:a16="http://schemas.microsoft.com/office/drawing/2014/main" xmlns="" id="{AC11C891-D0FA-4213-A385-F6CC85809563}"/>
               </a:ext>
             </a:extLst>
           </p:cNvPr>
@@ -3744,7 +3744,7 @@
             <p:cNvPr id="13" name="직사각형 12">
               <a:extLst>
                 <a:ext uri="{FF2B5EF4-FFF2-40B4-BE49-F238E27FC236}">
-                  <a16:creationId xmlns:a16="http://schemas.microsoft.com/office/drawing/2014/main" id="{39A238E7-E65F-4196-A118-28D9CC36DD9F}"/>
+                  <a16:creationId xmlns:a16="http://schemas.microsoft.com/office/drawing/2014/main" xmlns="" id="{39A238E7-E65F-4196-A118-28D9CC36DD9F}"/>
                 </a:ext>
               </a:extLst>
             </p:cNvPr>
@@ -3811,7 +3811,7 @@
             <p:cNvPr id="14" name="TextBox 13">
               <a:extLst>
                 <a:ext uri="{FF2B5EF4-FFF2-40B4-BE49-F238E27FC236}">
-                  <a16:creationId xmlns:a16="http://schemas.microsoft.com/office/drawing/2014/main" id="{F4036F03-FDA9-491C-A08C-F294796862FE}"/>
+                  <a16:creationId xmlns:a16="http://schemas.microsoft.com/office/drawing/2014/main" xmlns="" id="{F4036F03-FDA9-491C-A08C-F294796862FE}"/>
                 </a:ext>
               </a:extLst>
             </p:cNvPr>
@@ -3846,7 +3846,7 @@
             <p:cNvPr id="15" name="직선 연결선 14">
               <a:extLst>
                 <a:ext uri="{FF2B5EF4-FFF2-40B4-BE49-F238E27FC236}">
-                  <a16:creationId xmlns:a16="http://schemas.microsoft.com/office/drawing/2014/main" id="{D42124B9-8603-464E-9FD2-F9E6A1C7D385}"/>
+                  <a16:creationId xmlns:a16="http://schemas.microsoft.com/office/drawing/2014/main" xmlns="" id="{D42124B9-8603-464E-9FD2-F9E6A1C7D385}"/>
                 </a:ext>
               </a:extLst>
             </p:cNvPr>
@@ -3891,7 +3891,7 @@
           <p:cNvPr id="16" name="그룹 15">
             <a:extLst>
               <a:ext uri="{FF2B5EF4-FFF2-40B4-BE49-F238E27FC236}">
-                <a16:creationId xmlns:a16="http://schemas.microsoft.com/office/drawing/2014/main" id="{61093C7D-5C10-43DE-845B-A91F6E45BFFE}"/>
+                <a16:creationId xmlns:a16="http://schemas.microsoft.com/office/drawing/2014/main" xmlns="" id="{61093C7D-5C10-43DE-845B-A91F6E45BFFE}"/>
               </a:ext>
             </a:extLst>
           </p:cNvPr>
@@ -3911,7 +3911,7 @@
             <p:cNvPr id="17" name="직사각형 16">
               <a:extLst>
                 <a:ext uri="{FF2B5EF4-FFF2-40B4-BE49-F238E27FC236}">
-                  <a16:creationId xmlns:a16="http://schemas.microsoft.com/office/drawing/2014/main" id="{8B778694-ABDD-4673-AFC2-5ED77E6EA987}"/>
+                  <a16:creationId xmlns:a16="http://schemas.microsoft.com/office/drawing/2014/main" xmlns="" id="{8B778694-ABDD-4673-AFC2-5ED77E6EA987}"/>
                 </a:ext>
               </a:extLst>
             </p:cNvPr>
@@ -3978,7 +3978,7 @@
             <p:cNvPr id="18" name="TextBox 17">
               <a:extLst>
                 <a:ext uri="{FF2B5EF4-FFF2-40B4-BE49-F238E27FC236}">
-                  <a16:creationId xmlns:a16="http://schemas.microsoft.com/office/drawing/2014/main" id="{47E819D9-B02A-4FA0-A71F-CC220E583D72}"/>
+                  <a16:creationId xmlns:a16="http://schemas.microsoft.com/office/drawing/2014/main" xmlns="" id="{47E819D9-B02A-4FA0-A71F-CC220E583D72}"/>
                 </a:ext>
               </a:extLst>
             </p:cNvPr>
@@ -4013,7 +4013,7 @@
             <p:cNvPr id="19" name="직선 연결선 18">
               <a:extLst>
                 <a:ext uri="{FF2B5EF4-FFF2-40B4-BE49-F238E27FC236}">
-                  <a16:creationId xmlns:a16="http://schemas.microsoft.com/office/drawing/2014/main" id="{9A7314E2-DA0E-4614-8CFF-622D657C9BD6}"/>
+                  <a16:creationId xmlns:a16="http://schemas.microsoft.com/office/drawing/2014/main" xmlns="" id="{9A7314E2-DA0E-4614-8CFF-622D657C9BD6}"/>
                 </a:ext>
               </a:extLst>
             </p:cNvPr>
@@ -4058,7 +4058,7 @@
           <p:cNvPr id="20" name="그룹 19">
             <a:extLst>
               <a:ext uri="{FF2B5EF4-FFF2-40B4-BE49-F238E27FC236}">
-                <a16:creationId xmlns:a16="http://schemas.microsoft.com/office/drawing/2014/main" id="{704FF78F-0075-41F3-9F5D-1591336AE9B1}"/>
+                <a16:creationId xmlns:a16="http://schemas.microsoft.com/office/drawing/2014/main" xmlns="" id="{704FF78F-0075-41F3-9F5D-1591336AE9B1}"/>
               </a:ext>
             </a:extLst>
           </p:cNvPr>
@@ -4078,7 +4078,7 @@
             <p:cNvPr id="21" name="직사각형 20">
               <a:extLst>
                 <a:ext uri="{FF2B5EF4-FFF2-40B4-BE49-F238E27FC236}">
-                  <a16:creationId xmlns:a16="http://schemas.microsoft.com/office/drawing/2014/main" id="{E1443280-ACF7-47BE-9DE8-E624AD53465D}"/>
+                  <a16:creationId xmlns:a16="http://schemas.microsoft.com/office/drawing/2014/main" xmlns="" id="{E1443280-ACF7-47BE-9DE8-E624AD53465D}"/>
                 </a:ext>
               </a:extLst>
             </p:cNvPr>
@@ -4145,7 +4145,7 @@
             <p:cNvPr id="22" name="TextBox 21">
               <a:extLst>
                 <a:ext uri="{FF2B5EF4-FFF2-40B4-BE49-F238E27FC236}">
-                  <a16:creationId xmlns:a16="http://schemas.microsoft.com/office/drawing/2014/main" id="{83D20EE6-141B-466A-BFFD-8F7844DC44BE}"/>
+                  <a16:creationId xmlns:a16="http://schemas.microsoft.com/office/drawing/2014/main" xmlns="" id="{83D20EE6-141B-466A-BFFD-8F7844DC44BE}"/>
                 </a:ext>
               </a:extLst>
             </p:cNvPr>
@@ -4180,7 +4180,7 @@
             <p:cNvPr id="23" name="직선 연결선 22">
               <a:extLst>
                 <a:ext uri="{FF2B5EF4-FFF2-40B4-BE49-F238E27FC236}">
-                  <a16:creationId xmlns:a16="http://schemas.microsoft.com/office/drawing/2014/main" id="{8D2C0CC9-3EDC-4009-A45A-5F59689893EF}"/>
+                  <a16:creationId xmlns:a16="http://schemas.microsoft.com/office/drawing/2014/main" xmlns="" id="{8D2C0CC9-3EDC-4009-A45A-5F59689893EF}"/>
                 </a:ext>
               </a:extLst>
             </p:cNvPr>
@@ -4230,6 +4230,13 @@
   <p:clrMapOvr>
     <a:masterClrMapping/>
   </p:clrMapOvr>
+  <p:timing>
+    <p:tnLst>
+      <p:par>
+        <p:cTn id="1" dur="indefinite" restart="never" nodeType="tmRoot"/>
+      </p:par>
+    </p:tnLst>
+  </p:timing>
 </p:sld>
 </file>
 
@@ -4255,7 +4262,7 @@
           <p:cNvPr id="2" name="제목 1">
             <a:extLst>
               <a:ext uri="{FF2B5EF4-FFF2-40B4-BE49-F238E27FC236}">
-                <a16:creationId xmlns:a16="http://schemas.microsoft.com/office/drawing/2014/main" id="{7A2E5463-EF52-4D48-A265-916CE9EED2B1}"/>
+                <a16:creationId xmlns:a16="http://schemas.microsoft.com/office/drawing/2014/main" xmlns="" id="{7A2E5463-EF52-4D48-A265-916CE9EED2B1}"/>
               </a:ext>
             </a:extLst>
           </p:cNvPr>
@@ -4283,7 +4290,7 @@
           <p:cNvPr id="3" name="TextBox 2">
             <a:extLst>
               <a:ext uri="{FF2B5EF4-FFF2-40B4-BE49-F238E27FC236}">
-                <a16:creationId xmlns:a16="http://schemas.microsoft.com/office/drawing/2014/main" id="{E2E51AF7-8FDE-4FDA-A961-06ACBF88C30B}"/>
+                <a16:creationId xmlns:a16="http://schemas.microsoft.com/office/drawing/2014/main" xmlns="" id="{E2E51AF7-8FDE-4FDA-A961-06ACBF88C30B}"/>
               </a:ext>
             </a:extLst>
           </p:cNvPr>
@@ -4322,7 +4329,7 @@
           <p:cNvPr id="5" name="직사각형 4">
             <a:extLst>
               <a:ext uri="{FF2B5EF4-FFF2-40B4-BE49-F238E27FC236}">
-                <a16:creationId xmlns:a16="http://schemas.microsoft.com/office/drawing/2014/main" id="{7CB471E2-C0DE-43A1-B840-172B19E88F57}"/>
+                <a16:creationId xmlns:a16="http://schemas.microsoft.com/office/drawing/2014/main" xmlns="" id="{7CB471E2-C0DE-43A1-B840-172B19E88F57}"/>
               </a:ext>
             </a:extLst>
           </p:cNvPr>
@@ -4367,7 +4374,7 @@
           <p:cNvPr id="13" name="그림 12">
             <a:extLst>
               <a:ext uri="{FF2B5EF4-FFF2-40B4-BE49-F238E27FC236}">
-                <a16:creationId xmlns:a16="http://schemas.microsoft.com/office/drawing/2014/main" id="{7B62B9DD-8B5E-42BC-B8A7-7F6EB687DC84}"/>
+                <a16:creationId xmlns:a16="http://schemas.microsoft.com/office/drawing/2014/main" xmlns="" id="{7B62B9DD-8B5E-42BC-B8A7-7F6EB687DC84}"/>
               </a:ext>
             </a:extLst>
           </p:cNvPr>
@@ -4397,7 +4404,7 @@
           <p:cNvPr id="15" name="TextBox 14">
             <a:extLst>
               <a:ext uri="{FF2B5EF4-FFF2-40B4-BE49-F238E27FC236}">
-                <a16:creationId xmlns:a16="http://schemas.microsoft.com/office/drawing/2014/main" id="{1161406D-63DF-4DEB-8904-214BE6901412}"/>
+                <a16:creationId xmlns:a16="http://schemas.microsoft.com/office/drawing/2014/main" xmlns="" id="{1161406D-63DF-4DEB-8904-214BE6901412}"/>
               </a:ext>
             </a:extLst>
           </p:cNvPr>
@@ -4436,7 +4443,7 @@
           <p:cNvPr id="16" name="직사각형 15">
             <a:extLst>
               <a:ext uri="{FF2B5EF4-FFF2-40B4-BE49-F238E27FC236}">
-                <a16:creationId xmlns:a16="http://schemas.microsoft.com/office/drawing/2014/main" id="{7F036551-9C6A-4639-873F-98B4EAD86EBE}"/>
+                <a16:creationId xmlns:a16="http://schemas.microsoft.com/office/drawing/2014/main" xmlns="" id="{7F036551-9C6A-4639-873F-98B4EAD86EBE}"/>
               </a:ext>
             </a:extLst>
           </p:cNvPr>
@@ -4446,7 +4453,7 @@
         <p:spPr>
           <a:xfrm>
             <a:off x="6711193" y="1373179"/>
-            <a:ext cx="3724712" cy="339195"/>
+            <a:ext cx="3724712" cy="369332"/>
           </a:xfrm>
           <a:prstGeom prst="rect">
             <a:avLst/>
@@ -4464,26 +4471,34 @@
               </a:lnSpc>
             </a:pPr>
             <a:r>
-              <a:rPr lang="ko-KR" altLang="en-US" sz="1200"/>
+              <a:rPr lang="ko-KR" altLang="en-US" sz="1200" dirty="0"/>
               <a:t>글자간</a:t>
             </a:r>
             <a:r>
-              <a:rPr lang="en-US" altLang="ko-KR" sz="1200"/>
+              <a:rPr lang="en-US" altLang="ko-KR" sz="1200" dirty="0"/>
               <a:t> </a:t>
             </a:r>
             <a:r>
-              <a:rPr lang="ko-KR" altLang="en-US" sz="1200"/>
+              <a:rPr lang="ko-KR" altLang="en-US" sz="1200" dirty="0"/>
               <a:t>간격</a:t>
             </a:r>
             <a:r>
-              <a:rPr lang="en-US" altLang="ko-KR" sz="1200"/>
+              <a:rPr lang="en-US" altLang="ko-KR" sz="1200" dirty="0"/>
               <a:t>, </a:t>
             </a:r>
             <a:r>
-              <a:rPr lang="ko-KR" altLang="en-US" sz="1200"/>
-              <a:t>단어간 간격</a:t>
-            </a:r>
-            <a:endParaRPr lang="ko-KR" altLang="en-US" sz="1050">
+              <a:rPr lang="en-US" altLang="ko-KR" sz="1200" dirty="0" smtClean="0"/>
+              <a:t>        </a:t>
+            </a:r>
+            <a:r>
+              <a:rPr lang="ko-KR" altLang="en-US" sz="1200" dirty="0" smtClean="0"/>
+              <a:t>단어간 </a:t>
+            </a:r>
+            <a:r>
+              <a:rPr lang="ko-KR" altLang="en-US" sz="1200" dirty="0"/>
+              <a:t>간격</a:t>
+            </a:r>
+            <a:endParaRPr lang="ko-KR" altLang="en-US" sz="1050" dirty="0">
               <a:solidFill>
                 <a:srgbClr val="211D1E"/>
               </a:solidFill>
@@ -4497,7 +4512,7 @@
           <p:cNvPr id="18" name="그림 17">
             <a:extLst>
               <a:ext uri="{FF2B5EF4-FFF2-40B4-BE49-F238E27FC236}">
-                <a16:creationId xmlns:a16="http://schemas.microsoft.com/office/drawing/2014/main" id="{14B29380-6845-426D-BA73-ECAA18F159AF}"/>
+                <a16:creationId xmlns:a16="http://schemas.microsoft.com/office/drawing/2014/main" xmlns="" id="{14B29380-6845-426D-BA73-ECAA18F159AF}"/>
               </a:ext>
             </a:extLst>
           </p:cNvPr>
@@ -4527,7 +4542,7 @@
           <p:cNvPr id="10" name="그림 9">
             <a:extLst>
               <a:ext uri="{FF2B5EF4-FFF2-40B4-BE49-F238E27FC236}">
-                <a16:creationId xmlns:a16="http://schemas.microsoft.com/office/drawing/2014/main" id="{985C2C6C-0C74-446E-AA1C-E8F06B84CCE3}"/>
+                <a16:creationId xmlns:a16="http://schemas.microsoft.com/office/drawing/2014/main" xmlns="" id="{985C2C6C-0C74-446E-AA1C-E8F06B84CCE3}"/>
               </a:ext>
             </a:extLst>
           </p:cNvPr>
@@ -4557,7 +4572,7 @@
           <p:cNvPr id="19" name="그림 18">
             <a:extLst>
               <a:ext uri="{FF2B5EF4-FFF2-40B4-BE49-F238E27FC236}">
-                <a16:creationId xmlns:a16="http://schemas.microsoft.com/office/drawing/2014/main" id="{2A8AB56E-7A2A-4024-BFE7-FB386D5702AE}"/>
+                <a16:creationId xmlns:a16="http://schemas.microsoft.com/office/drawing/2014/main" xmlns="" id="{2A8AB56E-7A2A-4024-BFE7-FB386D5702AE}"/>
               </a:ext>
             </a:extLst>
           </p:cNvPr>
@@ -4595,7 +4610,7 @@
           <p:cNvPr id="21" name="그림 20">
             <a:extLst>
               <a:ext uri="{FF2B5EF4-FFF2-40B4-BE49-F238E27FC236}">
-                <a16:creationId xmlns:a16="http://schemas.microsoft.com/office/drawing/2014/main" id="{487D913D-FCE2-41E0-B6EA-C168181D31C9}"/>
+                <a16:creationId xmlns:a16="http://schemas.microsoft.com/office/drawing/2014/main" xmlns="" id="{487D913D-FCE2-41E0-B6EA-C168181D31C9}"/>
               </a:ext>
             </a:extLst>
           </p:cNvPr>
@@ -4625,7 +4640,7 @@
           <p:cNvPr id="23" name="그림 22">
             <a:extLst>
               <a:ext uri="{FF2B5EF4-FFF2-40B4-BE49-F238E27FC236}">
-                <a16:creationId xmlns:a16="http://schemas.microsoft.com/office/drawing/2014/main" id="{3685A0D3-C020-442B-B506-145975A64FA5}"/>
+                <a16:creationId xmlns:a16="http://schemas.microsoft.com/office/drawing/2014/main" xmlns="" id="{3685A0D3-C020-442B-B506-145975A64FA5}"/>
               </a:ext>
             </a:extLst>
           </p:cNvPr>
@@ -4685,7 +4700,7 @@
           <p:cNvPr id="2" name="제목 1">
             <a:extLst>
               <a:ext uri="{FF2B5EF4-FFF2-40B4-BE49-F238E27FC236}">
-                <a16:creationId xmlns:a16="http://schemas.microsoft.com/office/drawing/2014/main" id="{7A2E5463-EF52-4D48-A265-916CE9EED2B1}"/>
+                <a16:creationId xmlns:a16="http://schemas.microsoft.com/office/drawing/2014/main" xmlns="" id="{7A2E5463-EF52-4D48-A265-916CE9EED2B1}"/>
               </a:ext>
             </a:extLst>
           </p:cNvPr>
@@ -4713,7 +4728,7 @@
           <p:cNvPr id="14" name="TextBox 13">
             <a:extLst>
               <a:ext uri="{FF2B5EF4-FFF2-40B4-BE49-F238E27FC236}">
-                <a16:creationId xmlns:a16="http://schemas.microsoft.com/office/drawing/2014/main" id="{5213FDB2-D129-4FBC-8C3C-83C930605D32}"/>
+                <a16:creationId xmlns:a16="http://schemas.microsoft.com/office/drawing/2014/main" xmlns="" id="{5213FDB2-D129-4FBC-8C3C-83C930605D32}"/>
               </a:ext>
             </a:extLst>
           </p:cNvPr>
@@ -4752,7 +4767,7 @@
           <p:cNvPr id="17" name="직사각형 16">
             <a:extLst>
               <a:ext uri="{FF2B5EF4-FFF2-40B4-BE49-F238E27FC236}">
-                <a16:creationId xmlns:a16="http://schemas.microsoft.com/office/drawing/2014/main" id="{CFD0A6A9-195B-4BC3-A903-2A5349D711CC}"/>
+                <a16:creationId xmlns:a16="http://schemas.microsoft.com/office/drawing/2014/main" xmlns="" id="{CFD0A6A9-195B-4BC3-A903-2A5349D711CC}"/>
               </a:ext>
             </a:extLst>
           </p:cNvPr>
@@ -4799,7 +4814,7 @@
           <p:cNvPr id="6" name="그림 5">
             <a:extLst>
               <a:ext uri="{FF2B5EF4-FFF2-40B4-BE49-F238E27FC236}">
-                <a16:creationId xmlns:a16="http://schemas.microsoft.com/office/drawing/2014/main" id="{B2BB91E6-89A4-4EBB-802D-670BE1E43030}"/>
+                <a16:creationId xmlns:a16="http://schemas.microsoft.com/office/drawing/2014/main" xmlns="" id="{B2BB91E6-89A4-4EBB-802D-670BE1E43030}"/>
               </a:ext>
             </a:extLst>
           </p:cNvPr>
@@ -4829,7 +4844,7 @@
           <p:cNvPr id="8" name="그림 7">
             <a:extLst>
               <a:ext uri="{FF2B5EF4-FFF2-40B4-BE49-F238E27FC236}">
-                <a16:creationId xmlns:a16="http://schemas.microsoft.com/office/drawing/2014/main" id="{F33F436C-DD33-48F2-B841-E4DA3E14761D}"/>
+                <a16:creationId xmlns:a16="http://schemas.microsoft.com/office/drawing/2014/main" xmlns="" id="{F33F436C-DD33-48F2-B841-E4DA3E14761D}"/>
               </a:ext>
             </a:extLst>
           </p:cNvPr>
@@ -4889,7 +4904,7 @@
           <p:cNvPr id="2" name="제목 1">
             <a:extLst>
               <a:ext uri="{FF2B5EF4-FFF2-40B4-BE49-F238E27FC236}">
-                <a16:creationId xmlns:a16="http://schemas.microsoft.com/office/drawing/2014/main" id="{7A2E5463-EF52-4D48-A265-916CE9EED2B1}"/>
+                <a16:creationId xmlns:a16="http://schemas.microsoft.com/office/drawing/2014/main" xmlns="" id="{7A2E5463-EF52-4D48-A265-916CE9EED2B1}"/>
               </a:ext>
             </a:extLst>
           </p:cNvPr>
@@ -4917,7 +4932,7 @@
           <p:cNvPr id="7" name="TextBox 6">
             <a:extLst>
               <a:ext uri="{FF2B5EF4-FFF2-40B4-BE49-F238E27FC236}">
-                <a16:creationId xmlns:a16="http://schemas.microsoft.com/office/drawing/2014/main" id="{901279D0-B9D9-4124-9779-17BC27628363}"/>
+                <a16:creationId xmlns:a16="http://schemas.microsoft.com/office/drawing/2014/main" xmlns="" id="{901279D0-B9D9-4124-9779-17BC27628363}"/>
               </a:ext>
             </a:extLst>
           </p:cNvPr>
@@ -4956,7 +4971,7 @@
           <p:cNvPr id="9" name="직사각형 8">
             <a:extLst>
               <a:ext uri="{FF2B5EF4-FFF2-40B4-BE49-F238E27FC236}">
-                <a16:creationId xmlns:a16="http://schemas.microsoft.com/office/drawing/2014/main" id="{A5B23185-FECA-402A-876D-C1AE978DD377}"/>
+                <a16:creationId xmlns:a16="http://schemas.microsoft.com/office/drawing/2014/main" xmlns="" id="{A5B23185-FECA-402A-876D-C1AE978DD377}"/>
               </a:ext>
             </a:extLst>
           </p:cNvPr>
@@ -5003,7 +5018,7 @@
           <p:cNvPr id="10" name="TextBox 9">
             <a:extLst>
               <a:ext uri="{FF2B5EF4-FFF2-40B4-BE49-F238E27FC236}">
-                <a16:creationId xmlns:a16="http://schemas.microsoft.com/office/drawing/2014/main" id="{81452F6B-B536-4B74-A1C7-5FD40BB794D1}"/>
+                <a16:creationId xmlns:a16="http://schemas.microsoft.com/office/drawing/2014/main" xmlns="" id="{81452F6B-B536-4B74-A1C7-5FD40BB794D1}"/>
               </a:ext>
             </a:extLst>
           </p:cNvPr>
@@ -5042,7 +5057,7 @@
           <p:cNvPr id="11" name="직사각형 10">
             <a:extLst>
               <a:ext uri="{FF2B5EF4-FFF2-40B4-BE49-F238E27FC236}">
-                <a16:creationId xmlns:a16="http://schemas.microsoft.com/office/drawing/2014/main" id="{5708A09A-A368-45AD-A168-DCB31CC38A7D}"/>
+                <a16:creationId xmlns:a16="http://schemas.microsoft.com/office/drawing/2014/main" xmlns="" id="{5708A09A-A368-45AD-A168-DCB31CC38A7D}"/>
               </a:ext>
             </a:extLst>
           </p:cNvPr>
@@ -5107,7 +5122,7 @@
           <p:cNvPr id="12" name="TextBox 11">
             <a:extLst>
               <a:ext uri="{FF2B5EF4-FFF2-40B4-BE49-F238E27FC236}">
-                <a16:creationId xmlns:a16="http://schemas.microsoft.com/office/drawing/2014/main" id="{2131267E-D7CD-4CD9-8D48-66277E50A3F9}"/>
+                <a16:creationId xmlns:a16="http://schemas.microsoft.com/office/drawing/2014/main" xmlns="" id="{2131267E-D7CD-4CD9-8D48-66277E50A3F9}"/>
               </a:ext>
             </a:extLst>
           </p:cNvPr>
@@ -5146,7 +5161,7 @@
           <p:cNvPr id="13" name="직사각형 12">
             <a:extLst>
               <a:ext uri="{FF2B5EF4-FFF2-40B4-BE49-F238E27FC236}">
-                <a16:creationId xmlns:a16="http://schemas.microsoft.com/office/drawing/2014/main" id="{8F6D1D80-93D3-4D82-AA57-AD5003DFEB74}"/>
+                <a16:creationId xmlns:a16="http://schemas.microsoft.com/office/drawing/2014/main" xmlns="" id="{8F6D1D80-93D3-4D82-AA57-AD5003DFEB74}"/>
               </a:ext>
             </a:extLst>
           </p:cNvPr>
@@ -5202,7 +5217,7 @@
           <p:cNvPr id="4" name="그림 3">
             <a:extLst>
               <a:ext uri="{FF2B5EF4-FFF2-40B4-BE49-F238E27FC236}">
-                <a16:creationId xmlns:a16="http://schemas.microsoft.com/office/drawing/2014/main" id="{794753D7-F1A8-410E-B0A7-3C84B6898EA7}"/>
+                <a16:creationId xmlns:a16="http://schemas.microsoft.com/office/drawing/2014/main" xmlns="" id="{794753D7-F1A8-410E-B0A7-3C84B6898EA7}"/>
               </a:ext>
             </a:extLst>
           </p:cNvPr>
@@ -5232,7 +5247,7 @@
           <p:cNvPr id="15" name="그림 14">
             <a:extLst>
               <a:ext uri="{FF2B5EF4-FFF2-40B4-BE49-F238E27FC236}">
-                <a16:creationId xmlns:a16="http://schemas.microsoft.com/office/drawing/2014/main" id="{1CA54FC1-829C-4B00-9FCE-63663C237140}"/>
+                <a16:creationId xmlns:a16="http://schemas.microsoft.com/office/drawing/2014/main" xmlns="" id="{1CA54FC1-829C-4B00-9FCE-63663C237140}"/>
               </a:ext>
             </a:extLst>
           </p:cNvPr>
@@ -5261,7 +5276,7 @@
           <p:cNvPr id="18" name="그림 17">
             <a:extLst>
               <a:ext uri="{FF2B5EF4-FFF2-40B4-BE49-F238E27FC236}">
-                <a16:creationId xmlns:a16="http://schemas.microsoft.com/office/drawing/2014/main" id="{7D04CB73-5565-425A-ABD0-F3082FDBFCA3}"/>
+                <a16:creationId xmlns:a16="http://schemas.microsoft.com/office/drawing/2014/main" xmlns="" id="{7D04CB73-5565-425A-ABD0-F3082FDBFCA3}"/>
               </a:ext>
             </a:extLst>
           </p:cNvPr>
@@ -5291,7 +5306,7 @@
           <p:cNvPr id="20" name="그림 19">
             <a:extLst>
               <a:ext uri="{FF2B5EF4-FFF2-40B4-BE49-F238E27FC236}">
-                <a16:creationId xmlns:a16="http://schemas.microsoft.com/office/drawing/2014/main" id="{5B38A5A2-7F35-4224-B145-409ECE010C69}"/>
+                <a16:creationId xmlns:a16="http://schemas.microsoft.com/office/drawing/2014/main" xmlns="" id="{5B38A5A2-7F35-4224-B145-409ECE010C69}"/>
               </a:ext>
             </a:extLst>
           </p:cNvPr>
@@ -5351,7 +5366,7 @@
           <p:cNvPr id="2" name="제목 1">
             <a:extLst>
               <a:ext uri="{FF2B5EF4-FFF2-40B4-BE49-F238E27FC236}">
-                <a16:creationId xmlns:a16="http://schemas.microsoft.com/office/drawing/2014/main" id="{0AC9D664-1A19-40C8-84CF-BD80C4A3DCB8}"/>
+                <a16:creationId xmlns:a16="http://schemas.microsoft.com/office/drawing/2014/main" xmlns="" id="{0AC9D664-1A19-40C8-84CF-BD80C4A3DCB8}"/>
               </a:ext>
             </a:extLst>
           </p:cNvPr>
@@ -5379,7 +5394,7 @@
           <p:cNvPr id="3" name="TextBox 2">
             <a:extLst>
               <a:ext uri="{FF2B5EF4-FFF2-40B4-BE49-F238E27FC236}">
-                <a16:creationId xmlns:a16="http://schemas.microsoft.com/office/drawing/2014/main" id="{E6985EF7-DE2F-4583-8DCF-52E507AAB8AB}"/>
+                <a16:creationId xmlns:a16="http://schemas.microsoft.com/office/drawing/2014/main" xmlns="" id="{E6985EF7-DE2F-4583-8DCF-52E507AAB8AB}"/>
               </a:ext>
             </a:extLst>
           </p:cNvPr>
@@ -5415,7 +5430,7 @@
           <p:cNvPr id="4" name="TextBox 3">
             <a:extLst>
               <a:ext uri="{FF2B5EF4-FFF2-40B4-BE49-F238E27FC236}">
-                <a16:creationId xmlns:a16="http://schemas.microsoft.com/office/drawing/2014/main" id="{AF6A4529-7A3F-4BB9-A320-DD9CEB1B6397}"/>
+                <a16:creationId xmlns:a16="http://schemas.microsoft.com/office/drawing/2014/main" xmlns="" id="{AF6A4529-7A3F-4BB9-A320-DD9CEB1B6397}"/>
               </a:ext>
             </a:extLst>
           </p:cNvPr>
@@ -5491,7 +5506,7 @@
           <p:cNvPr id="5" name="TextBox 4">
             <a:extLst>
               <a:ext uri="{FF2B5EF4-FFF2-40B4-BE49-F238E27FC236}">
-                <a16:creationId xmlns:a16="http://schemas.microsoft.com/office/drawing/2014/main" id="{490B2B7C-26D5-443A-A1EC-CAB99A41F537}"/>
+                <a16:creationId xmlns:a16="http://schemas.microsoft.com/office/drawing/2014/main" xmlns="" id="{490B2B7C-26D5-443A-A1EC-CAB99A41F537}"/>
               </a:ext>
             </a:extLst>
           </p:cNvPr>
@@ -5527,7 +5542,7 @@
           <p:cNvPr id="6" name="TextBox 5">
             <a:extLst>
               <a:ext uri="{FF2B5EF4-FFF2-40B4-BE49-F238E27FC236}">
-                <a16:creationId xmlns:a16="http://schemas.microsoft.com/office/drawing/2014/main" id="{7C6697EE-D95C-4308-8D13-87DCAE37FFE0}"/>
+                <a16:creationId xmlns:a16="http://schemas.microsoft.com/office/drawing/2014/main" xmlns="" id="{7C6697EE-D95C-4308-8D13-87DCAE37FFE0}"/>
               </a:ext>
             </a:extLst>
           </p:cNvPr>
@@ -5568,7 +5583,7 @@
           <p:cNvPr id="7" name="TextBox 6">
             <a:extLst>
               <a:ext uri="{FF2B5EF4-FFF2-40B4-BE49-F238E27FC236}">
-                <a16:creationId xmlns:a16="http://schemas.microsoft.com/office/drawing/2014/main" id="{518F17B2-2BC2-45F6-BE76-7A943837340F}"/>
+                <a16:creationId xmlns:a16="http://schemas.microsoft.com/office/drawing/2014/main" xmlns="" id="{518F17B2-2BC2-45F6-BE76-7A943837340F}"/>
               </a:ext>
             </a:extLst>
           </p:cNvPr>
@@ -5604,7 +5619,7 @@
           <p:cNvPr id="8" name="TextBox 7">
             <a:extLst>
               <a:ext uri="{FF2B5EF4-FFF2-40B4-BE49-F238E27FC236}">
-                <a16:creationId xmlns:a16="http://schemas.microsoft.com/office/drawing/2014/main" id="{CA94031E-9A2D-4562-AF61-A7A104C77515}"/>
+                <a16:creationId xmlns:a16="http://schemas.microsoft.com/office/drawing/2014/main" xmlns="" id="{CA94031E-9A2D-4562-AF61-A7A104C77515}"/>
               </a:ext>
             </a:extLst>
           </p:cNvPr>
@@ -5656,7 +5671,7 @@
           <p:cNvPr id="10" name="그림 9">
             <a:extLst>
               <a:ext uri="{FF2B5EF4-FFF2-40B4-BE49-F238E27FC236}">
-                <a16:creationId xmlns:a16="http://schemas.microsoft.com/office/drawing/2014/main" id="{B6F08ADE-F5DC-49E0-8D26-60E28B3B7619}"/>
+                <a16:creationId xmlns:a16="http://schemas.microsoft.com/office/drawing/2014/main" xmlns="" id="{B6F08ADE-F5DC-49E0-8D26-60E28B3B7619}"/>
               </a:ext>
             </a:extLst>
           </p:cNvPr>
@@ -5686,7 +5701,7 @@
           <p:cNvPr id="12" name="그림 11">
             <a:extLst>
               <a:ext uri="{FF2B5EF4-FFF2-40B4-BE49-F238E27FC236}">
-                <a16:creationId xmlns:a16="http://schemas.microsoft.com/office/drawing/2014/main" id="{1CD29877-6CF2-4FC5-8B1F-6E25052D64D9}"/>
+                <a16:creationId xmlns:a16="http://schemas.microsoft.com/office/drawing/2014/main" xmlns="" id="{1CD29877-6CF2-4FC5-8B1F-6E25052D64D9}"/>
               </a:ext>
             </a:extLst>
           </p:cNvPr>
@@ -5715,7 +5730,7 @@
           <p:cNvPr id="15" name="그림 14">
             <a:extLst>
               <a:ext uri="{FF2B5EF4-FFF2-40B4-BE49-F238E27FC236}">
-                <a16:creationId xmlns:a16="http://schemas.microsoft.com/office/drawing/2014/main" id="{9DB6F2A9-3635-4C38-AD77-933918C01CAA}"/>
+                <a16:creationId xmlns:a16="http://schemas.microsoft.com/office/drawing/2014/main" xmlns="" id="{9DB6F2A9-3635-4C38-AD77-933918C01CAA}"/>
               </a:ext>
             </a:extLst>
           </p:cNvPr>
@@ -5745,7 +5760,7 @@
           <p:cNvPr id="16" name="그림 15">
             <a:extLst>
               <a:ext uri="{FF2B5EF4-FFF2-40B4-BE49-F238E27FC236}">
-                <a16:creationId xmlns:a16="http://schemas.microsoft.com/office/drawing/2014/main" id="{77EFD386-9666-4405-9C00-4A0ADB1F8929}"/>
+                <a16:creationId xmlns:a16="http://schemas.microsoft.com/office/drawing/2014/main" xmlns="" id="{77EFD386-9666-4405-9C00-4A0ADB1F8929}"/>
               </a:ext>
             </a:extLst>
           </p:cNvPr>
@@ -5775,7 +5790,7 @@
           <p:cNvPr id="18" name="그림 17">
             <a:extLst>
               <a:ext uri="{FF2B5EF4-FFF2-40B4-BE49-F238E27FC236}">
-                <a16:creationId xmlns:a16="http://schemas.microsoft.com/office/drawing/2014/main" id="{402C9FF1-2CB7-4E0B-89AB-67F59FBF7E05}"/>
+                <a16:creationId xmlns:a16="http://schemas.microsoft.com/office/drawing/2014/main" xmlns="" id="{402C9FF1-2CB7-4E0B-89AB-67F59FBF7E05}"/>
               </a:ext>
             </a:extLst>
           </p:cNvPr>
@@ -5805,7 +5820,7 @@
           <p:cNvPr id="20" name="그림 19">
             <a:extLst>
               <a:ext uri="{FF2B5EF4-FFF2-40B4-BE49-F238E27FC236}">
-                <a16:creationId xmlns:a16="http://schemas.microsoft.com/office/drawing/2014/main" id="{DD56A1C1-2077-492F-B535-811834D6CF30}"/>
+                <a16:creationId xmlns:a16="http://schemas.microsoft.com/office/drawing/2014/main" xmlns="" id="{DD56A1C1-2077-492F-B535-811834D6CF30}"/>
               </a:ext>
             </a:extLst>
           </p:cNvPr>
@@ -5835,7 +5850,7 @@
           <p:cNvPr id="22" name="그림 21">
             <a:extLst>
               <a:ext uri="{FF2B5EF4-FFF2-40B4-BE49-F238E27FC236}">
-                <a16:creationId xmlns:a16="http://schemas.microsoft.com/office/drawing/2014/main" id="{E3E8DDC3-AC4C-4E27-8B4F-E02951BE38A8}"/>
+                <a16:creationId xmlns:a16="http://schemas.microsoft.com/office/drawing/2014/main" xmlns="" id="{E3E8DDC3-AC4C-4E27-8B4F-E02951BE38A8}"/>
               </a:ext>
             </a:extLst>
           </p:cNvPr>
@@ -5895,7 +5910,7 @@
           <p:cNvPr id="4" name="제목 3">
             <a:extLst>
               <a:ext uri="{FF2B5EF4-FFF2-40B4-BE49-F238E27FC236}">
-                <a16:creationId xmlns:a16="http://schemas.microsoft.com/office/drawing/2014/main" id="{EB6D438C-A184-447B-ACCE-00753F422508}"/>
+                <a16:creationId xmlns:a16="http://schemas.microsoft.com/office/drawing/2014/main" xmlns="" id="{EB6D438C-A184-447B-ACCE-00753F422508}"/>
               </a:ext>
             </a:extLst>
           </p:cNvPr>
@@ -5923,7 +5938,7 @@
           <p:cNvPr id="3" name="직선 연결선 2">
             <a:extLst>
               <a:ext uri="{FF2B5EF4-FFF2-40B4-BE49-F238E27FC236}">
-                <a16:creationId xmlns:a16="http://schemas.microsoft.com/office/drawing/2014/main" id="{A3A12DD0-A260-43A3-A8E1-AC1058C3A40B}"/>
+                <a16:creationId xmlns:a16="http://schemas.microsoft.com/office/drawing/2014/main" xmlns="" id="{A3A12DD0-A260-43A3-A8E1-AC1058C3A40B}"/>
               </a:ext>
             </a:extLst>
           </p:cNvPr>
@@ -5959,7 +5974,7 @@
           <p:cNvPr id="5" name="TextBox 4">
             <a:extLst>
               <a:ext uri="{FF2B5EF4-FFF2-40B4-BE49-F238E27FC236}">
-                <a16:creationId xmlns:a16="http://schemas.microsoft.com/office/drawing/2014/main" id="{0BD87596-654B-4108-BFE7-4A7DC28585AB}"/>
+                <a16:creationId xmlns:a16="http://schemas.microsoft.com/office/drawing/2014/main" xmlns="" id="{0BD87596-654B-4108-BFE7-4A7DC28585AB}"/>
               </a:ext>
             </a:extLst>
           </p:cNvPr>
@@ -5998,7 +6013,7 @@
           <p:cNvPr id="7" name="TextBox 6">
             <a:extLst>
               <a:ext uri="{FF2B5EF4-FFF2-40B4-BE49-F238E27FC236}">
-                <a16:creationId xmlns:a16="http://schemas.microsoft.com/office/drawing/2014/main" id="{64A91D5F-50BA-4E0C-B0D9-A5E2664B9669}"/>
+                <a16:creationId xmlns:a16="http://schemas.microsoft.com/office/drawing/2014/main" xmlns="" id="{64A91D5F-50BA-4E0C-B0D9-A5E2664B9669}"/>
               </a:ext>
             </a:extLst>
           </p:cNvPr>
@@ -6175,7 +6190,7 @@
           <p:cNvPr id="10" name="그림 9">
             <a:extLst>
               <a:ext uri="{FF2B5EF4-FFF2-40B4-BE49-F238E27FC236}">
-                <a16:creationId xmlns:a16="http://schemas.microsoft.com/office/drawing/2014/main" id="{620A897B-C92C-4961-93FD-72C552335E94}"/>
+                <a16:creationId xmlns:a16="http://schemas.microsoft.com/office/drawing/2014/main" xmlns="" id="{620A897B-C92C-4961-93FD-72C552335E94}"/>
               </a:ext>
             </a:extLst>
           </p:cNvPr>
@@ -6205,7 +6220,7 @@
           <p:cNvPr id="12" name="그림 11">
             <a:extLst>
               <a:ext uri="{FF2B5EF4-FFF2-40B4-BE49-F238E27FC236}">
-                <a16:creationId xmlns:a16="http://schemas.microsoft.com/office/drawing/2014/main" id="{B9CC8738-960A-4309-8498-9A5AF3E14EAA}"/>
+                <a16:creationId xmlns:a16="http://schemas.microsoft.com/office/drawing/2014/main" xmlns="" id="{B9CC8738-960A-4309-8498-9A5AF3E14EAA}"/>
               </a:ext>
             </a:extLst>
           </p:cNvPr>
@@ -6235,7 +6250,7 @@
           <p:cNvPr id="13" name="TextBox 12">
             <a:extLst>
               <a:ext uri="{FF2B5EF4-FFF2-40B4-BE49-F238E27FC236}">
-                <a16:creationId xmlns:a16="http://schemas.microsoft.com/office/drawing/2014/main" id="{647C0877-45D9-47A9-B3F4-15309CB9AF6A}"/>
+                <a16:creationId xmlns:a16="http://schemas.microsoft.com/office/drawing/2014/main" xmlns="" id="{647C0877-45D9-47A9-B3F4-15309CB9AF6A}"/>
               </a:ext>
             </a:extLst>
           </p:cNvPr>
@@ -6274,7 +6289,7 @@
           <p:cNvPr id="16" name="그림 15">
             <a:extLst>
               <a:ext uri="{FF2B5EF4-FFF2-40B4-BE49-F238E27FC236}">
-                <a16:creationId xmlns:a16="http://schemas.microsoft.com/office/drawing/2014/main" id="{5456CB04-EE6A-4F86-91B7-D330F3CAADA8}"/>
+                <a16:creationId xmlns:a16="http://schemas.microsoft.com/office/drawing/2014/main" xmlns="" id="{5456CB04-EE6A-4F86-91B7-D330F3CAADA8}"/>
               </a:ext>
             </a:extLst>
           </p:cNvPr>
@@ -6304,7 +6319,7 @@
           <p:cNvPr id="20" name="그림 19">
             <a:extLst>
               <a:ext uri="{FF2B5EF4-FFF2-40B4-BE49-F238E27FC236}">
-                <a16:creationId xmlns:a16="http://schemas.microsoft.com/office/drawing/2014/main" id="{2D0BAC43-35F6-4966-9CBC-8AD159006E6B}"/>
+                <a16:creationId xmlns:a16="http://schemas.microsoft.com/office/drawing/2014/main" xmlns="" id="{2D0BAC43-35F6-4966-9CBC-8AD159006E6B}"/>
               </a:ext>
             </a:extLst>
           </p:cNvPr>
@@ -6334,7 +6349,7 @@
           <p:cNvPr id="21" name="TextBox 20">
             <a:extLst>
               <a:ext uri="{FF2B5EF4-FFF2-40B4-BE49-F238E27FC236}">
-                <a16:creationId xmlns:a16="http://schemas.microsoft.com/office/drawing/2014/main" id="{9B59BEA8-BD57-4FE8-AA35-C7A184036C6D}"/>
+                <a16:creationId xmlns:a16="http://schemas.microsoft.com/office/drawing/2014/main" xmlns="" id="{9B59BEA8-BD57-4FE8-AA35-C7A184036C6D}"/>
               </a:ext>
             </a:extLst>
           </p:cNvPr>
@@ -6370,7 +6385,7 @@
           <p:cNvPr id="24" name="TextBox 23">
             <a:extLst>
               <a:ext uri="{FF2B5EF4-FFF2-40B4-BE49-F238E27FC236}">
-                <a16:creationId xmlns:a16="http://schemas.microsoft.com/office/drawing/2014/main" id="{FD35C483-ABF2-4477-956C-9AC7DE058A65}"/>
+                <a16:creationId xmlns:a16="http://schemas.microsoft.com/office/drawing/2014/main" xmlns="" id="{FD35C483-ABF2-4477-956C-9AC7DE058A65}"/>
               </a:ext>
             </a:extLst>
           </p:cNvPr>
@@ -6406,7 +6421,7 @@
           <p:cNvPr id="27" name="그림 26">
             <a:extLst>
               <a:ext uri="{FF2B5EF4-FFF2-40B4-BE49-F238E27FC236}">
-                <a16:creationId xmlns:a16="http://schemas.microsoft.com/office/drawing/2014/main" id="{7F02B12A-52C0-441D-B1DF-936248E96293}"/>
+                <a16:creationId xmlns:a16="http://schemas.microsoft.com/office/drawing/2014/main" xmlns="" id="{7F02B12A-52C0-441D-B1DF-936248E96293}"/>
               </a:ext>
             </a:extLst>
           </p:cNvPr>
@@ -6436,7 +6451,7 @@
           <p:cNvPr id="29" name="그림 28">
             <a:extLst>
               <a:ext uri="{FF2B5EF4-FFF2-40B4-BE49-F238E27FC236}">
-                <a16:creationId xmlns:a16="http://schemas.microsoft.com/office/drawing/2014/main" id="{85847422-B4B1-4A05-B302-49400F328A9C}"/>
+                <a16:creationId xmlns:a16="http://schemas.microsoft.com/office/drawing/2014/main" xmlns="" id="{85847422-B4B1-4A05-B302-49400F328A9C}"/>
               </a:ext>
             </a:extLst>
           </p:cNvPr>
@@ -6471,6 +6486,13 @@
   <p:clrMapOvr>
     <a:masterClrMapping/>
   </p:clrMapOvr>
+  <p:timing>
+    <p:tnLst>
+      <p:par>
+        <p:cTn id="1" dur="indefinite" restart="never" nodeType="tmRoot"/>
+      </p:par>
+    </p:tnLst>
+  </p:timing>
 </p:sld>
 </file>
 
@@ -6615,7 +6637,7 @@
           <p:cNvPr id="17" name="TextBox 16">
             <a:extLst>
               <a:ext uri="{FF2B5EF4-FFF2-40B4-BE49-F238E27FC236}">
-                <a16:creationId xmlns:a16="http://schemas.microsoft.com/office/drawing/2014/main" id="{664C50F9-3EC5-4D6E-9EC1-B43F4D3E019F}"/>
+                <a16:creationId xmlns:a16="http://schemas.microsoft.com/office/drawing/2014/main" xmlns="" id="{664C50F9-3EC5-4D6E-9EC1-B43F4D3E019F}"/>
               </a:ext>
             </a:extLst>
           </p:cNvPr>
@@ -6654,7 +6676,7 @@
           <p:cNvPr id="18" name="직사각형 17">
             <a:extLst>
               <a:ext uri="{FF2B5EF4-FFF2-40B4-BE49-F238E27FC236}">
-                <a16:creationId xmlns:a16="http://schemas.microsoft.com/office/drawing/2014/main" id="{A5DFA9F3-3D36-4987-B966-F25638152A2D}"/>
+                <a16:creationId xmlns:a16="http://schemas.microsoft.com/office/drawing/2014/main" xmlns="" id="{A5DFA9F3-3D36-4987-B966-F25638152A2D}"/>
               </a:ext>
             </a:extLst>
           </p:cNvPr>
@@ -6716,7 +6738,7 @@
           <p:cNvPr id="5" name="그림 4">
             <a:extLst>
               <a:ext uri="{FF2B5EF4-FFF2-40B4-BE49-F238E27FC236}">
-                <a16:creationId xmlns:a16="http://schemas.microsoft.com/office/drawing/2014/main" id="{9C5A2918-186A-4061-A43A-AA6F9D32FCB8}"/>
+                <a16:creationId xmlns:a16="http://schemas.microsoft.com/office/drawing/2014/main" xmlns="" id="{9C5A2918-186A-4061-A43A-AA6F9D32FCB8}"/>
               </a:ext>
             </a:extLst>
           </p:cNvPr>
@@ -6746,7 +6768,7 @@
           <p:cNvPr id="9" name="그림 8">
             <a:extLst>
               <a:ext uri="{FF2B5EF4-FFF2-40B4-BE49-F238E27FC236}">
-                <a16:creationId xmlns:a16="http://schemas.microsoft.com/office/drawing/2014/main" id="{99B678F9-E310-468B-A24D-C63F6016BD8C}"/>
+                <a16:creationId xmlns:a16="http://schemas.microsoft.com/office/drawing/2014/main" xmlns="" id="{99B678F9-E310-468B-A24D-C63F6016BD8C}"/>
               </a:ext>
             </a:extLst>
           </p:cNvPr>
@@ -6776,7 +6798,7 @@
           <p:cNvPr id="11" name="그림 10">
             <a:extLst>
               <a:ext uri="{FF2B5EF4-FFF2-40B4-BE49-F238E27FC236}">
-                <a16:creationId xmlns:a16="http://schemas.microsoft.com/office/drawing/2014/main" id="{27E44E7D-FA82-40A6-BFAE-1DF3D0C8E55A}"/>
+                <a16:creationId xmlns:a16="http://schemas.microsoft.com/office/drawing/2014/main" xmlns="" id="{27E44E7D-FA82-40A6-BFAE-1DF3D0C8E55A}"/>
               </a:ext>
             </a:extLst>
           </p:cNvPr>
@@ -6806,7 +6828,7 @@
           <p:cNvPr id="21" name="그림 20">
             <a:extLst>
               <a:ext uri="{FF2B5EF4-FFF2-40B4-BE49-F238E27FC236}">
-                <a16:creationId xmlns:a16="http://schemas.microsoft.com/office/drawing/2014/main" id="{16F7FB36-22B1-404F-8A60-4580B91F3A7D}"/>
+                <a16:creationId xmlns:a16="http://schemas.microsoft.com/office/drawing/2014/main" xmlns="" id="{16F7FB36-22B1-404F-8A60-4580B91F3A7D}"/>
               </a:ext>
             </a:extLst>
           </p:cNvPr>
@@ -6841,6 +6863,13 @@
   <p:clrMapOvr>
     <a:masterClrMapping/>
   </p:clrMapOvr>
+  <p:timing>
+    <p:tnLst>
+      <p:par>
+        <p:cTn id="1" dur="indefinite" restart="never" nodeType="tmRoot"/>
+      </p:par>
+    </p:tnLst>
+  </p:timing>
 </p:sld>
 </file>
 
@@ -6914,7 +6943,7 @@
           <p:cNvPr id="17" name="TextBox 16">
             <a:extLst>
               <a:ext uri="{FF2B5EF4-FFF2-40B4-BE49-F238E27FC236}">
-                <a16:creationId xmlns:a16="http://schemas.microsoft.com/office/drawing/2014/main" id="{664C50F9-3EC5-4D6E-9EC1-B43F4D3E019F}"/>
+                <a16:creationId xmlns:a16="http://schemas.microsoft.com/office/drawing/2014/main" xmlns="" id="{664C50F9-3EC5-4D6E-9EC1-B43F4D3E019F}"/>
               </a:ext>
             </a:extLst>
           </p:cNvPr>
@@ -6949,7 +6978,7 @@
           <p:cNvPr id="12" name="직사각형 11">
             <a:extLst>
               <a:ext uri="{FF2B5EF4-FFF2-40B4-BE49-F238E27FC236}">
-                <a16:creationId xmlns:a16="http://schemas.microsoft.com/office/drawing/2014/main" id="{AADA9637-19DF-4C9F-93CE-15BD035021A6}"/>
+                <a16:creationId xmlns:a16="http://schemas.microsoft.com/office/drawing/2014/main" xmlns="" id="{AADA9637-19DF-4C9F-93CE-15BD035021A6}"/>
               </a:ext>
             </a:extLst>
           </p:cNvPr>
@@ -7074,7 +7103,7 @@
           <p:cNvPr id="13" name="TextBox 12">
             <a:extLst>
               <a:ext uri="{FF2B5EF4-FFF2-40B4-BE49-F238E27FC236}">
-                <a16:creationId xmlns:a16="http://schemas.microsoft.com/office/drawing/2014/main" id="{94B7B1CA-5B2E-44BD-B460-B1C60C472EFD}"/>
+                <a16:creationId xmlns:a16="http://schemas.microsoft.com/office/drawing/2014/main" xmlns="" id="{94B7B1CA-5B2E-44BD-B460-B1C60C472EFD}"/>
               </a:ext>
             </a:extLst>
           </p:cNvPr>
@@ -7109,7 +7138,7 @@
           <p:cNvPr id="14" name="직사각형 13">
             <a:extLst>
               <a:ext uri="{FF2B5EF4-FFF2-40B4-BE49-F238E27FC236}">
-                <a16:creationId xmlns:a16="http://schemas.microsoft.com/office/drawing/2014/main" id="{6992C210-D74F-4ABC-AE79-DFCE99F61FBB}"/>
+                <a16:creationId xmlns:a16="http://schemas.microsoft.com/office/drawing/2014/main" xmlns="" id="{6992C210-D74F-4ABC-AE79-DFCE99F61FBB}"/>
               </a:ext>
             </a:extLst>
           </p:cNvPr>
@@ -7147,6 +7176,15 @@
               </a:rPr>
               <a:t>웹 폰트 파일 준비</a:t>
             </a:r>
+            <a:r>
+              <a:rPr lang="en-US" altLang="ko-KR" sz="1200">
+                <a:solidFill>
+                  <a:srgbClr val="211D1E"/>
+                </a:solidFill>
+                <a:latin typeface="TDc_SSiMyungJo 120"/>
+              </a:rPr>
+              <a:t/>
+            </a:r>
             <a:br>
               <a:rPr lang="en-US" altLang="ko-KR" sz="1200">
                 <a:solidFill>
@@ -7268,6 +7306,15 @@
               </a:rPr>
               <a:t>다운로드하기 전에 사용자 시스템에 있는지 확인 </a:t>
             </a:r>
+            <a:r>
+              <a:rPr lang="en-US" altLang="ko-KR" sz="1200">
+                <a:solidFill>
+                  <a:srgbClr val="211D1E"/>
+                </a:solidFill>
+                <a:latin typeface="TDc_SSiMyungJo 120"/>
+              </a:rPr>
+              <a:t/>
+            </a:r>
             <a:br>
               <a:rPr lang="en-US" altLang="ko-KR" sz="1200">
                 <a:solidFill>
@@ -7434,7 +7481,7 @@
           <p:cNvPr id="3" name="그림 2">
             <a:extLst>
               <a:ext uri="{FF2B5EF4-FFF2-40B4-BE49-F238E27FC236}">
-                <a16:creationId xmlns:a16="http://schemas.microsoft.com/office/drawing/2014/main" id="{79053538-010E-40CC-BC4E-61CD0673BDE6}"/>
+                <a16:creationId xmlns:a16="http://schemas.microsoft.com/office/drawing/2014/main" xmlns="" id="{79053538-010E-40CC-BC4E-61CD0673BDE6}"/>
               </a:ext>
             </a:extLst>
           </p:cNvPr>
@@ -7464,7 +7511,7 @@
           <p:cNvPr id="8" name="그림 7">
             <a:extLst>
               <a:ext uri="{FF2B5EF4-FFF2-40B4-BE49-F238E27FC236}">
-                <a16:creationId xmlns:a16="http://schemas.microsoft.com/office/drawing/2014/main" id="{6B285107-55F5-405E-B6EF-57EE9D5DFCD1}"/>
+                <a16:creationId xmlns:a16="http://schemas.microsoft.com/office/drawing/2014/main" xmlns="" id="{6B285107-55F5-405E-B6EF-57EE9D5DFCD1}"/>
               </a:ext>
             </a:extLst>
           </p:cNvPr>
@@ -7572,7 +7619,7 @@
           <p:cNvPr id="17" name="TextBox 16">
             <a:extLst>
               <a:ext uri="{FF2B5EF4-FFF2-40B4-BE49-F238E27FC236}">
-                <a16:creationId xmlns:a16="http://schemas.microsoft.com/office/drawing/2014/main" id="{664C50F9-3EC5-4D6E-9EC1-B43F4D3E019F}"/>
+                <a16:creationId xmlns:a16="http://schemas.microsoft.com/office/drawing/2014/main" xmlns="" id="{664C50F9-3EC5-4D6E-9EC1-B43F4D3E019F}"/>
               </a:ext>
             </a:extLst>
           </p:cNvPr>
@@ -7607,7 +7654,7 @@
           <p:cNvPr id="10" name="직사각형 9">
             <a:extLst>
               <a:ext uri="{FF2B5EF4-FFF2-40B4-BE49-F238E27FC236}">
-                <a16:creationId xmlns:a16="http://schemas.microsoft.com/office/drawing/2014/main" id="{5DF151C9-50BD-455A-BEC2-15B87957309B}"/>
+                <a16:creationId xmlns:a16="http://schemas.microsoft.com/office/drawing/2014/main" xmlns="" id="{5DF151C9-50BD-455A-BEC2-15B87957309B}"/>
               </a:ext>
             </a:extLst>
           </p:cNvPr>
@@ -7637,7 +7684,7 @@
               <a:buAutoNum type="arabicPeriod"/>
             </a:pPr>
             <a:r>
-              <a:rPr lang="en-US" altLang="ko-KR" sz="1200">
+              <a:rPr lang="en-US" altLang="ko-KR" sz="1200" dirty="0">
                 <a:solidFill>
                   <a:srgbClr val="211D1E"/>
                 </a:solidFill>
@@ -7647,7 +7694,7 @@
               <a:t>https://fonts.google.com/</a:t>
             </a:r>
             <a:r>
-              <a:rPr lang="en-US" altLang="ko-KR" sz="1200">
+              <a:rPr lang="en-US" altLang="ko-KR" sz="1200" dirty="0">
                 <a:solidFill>
                   <a:srgbClr val="211D1E"/>
                 </a:solidFill>
@@ -7656,7 +7703,7 @@
               <a:t> </a:t>
             </a:r>
             <a:r>
-              <a:rPr lang="ko-KR" altLang="en-US" sz="1200">
+              <a:rPr lang="ko-KR" altLang="en-US" sz="1200" dirty="0">
                 <a:solidFill>
                   <a:srgbClr val="211D1E"/>
                 </a:solidFill>
@@ -7665,7 +7712,7 @@
               <a:t>로</a:t>
             </a:r>
             <a:r>
-              <a:rPr lang="en-US" altLang="ko-KR" sz="1200">
+              <a:rPr lang="en-US" altLang="ko-KR" sz="1200" dirty="0">
                 <a:solidFill>
                   <a:srgbClr val="211D1E"/>
                 </a:solidFill>
@@ -7674,7 +7721,7 @@
               <a:t> </a:t>
             </a:r>
             <a:r>
-              <a:rPr lang="ko-KR" altLang="en-US" sz="1200">
+              <a:rPr lang="ko-KR" altLang="en-US" sz="1200" dirty="0">
                 <a:solidFill>
                   <a:srgbClr val="211D1E"/>
                 </a:solidFill>
@@ -7682,7 +7729,7 @@
               </a:rPr>
               <a:t>접속</a:t>
             </a:r>
-            <a:endParaRPr lang="en-US" altLang="ko-KR" sz="1200">
+            <a:endParaRPr lang="en-US" altLang="ko-KR" sz="1200" dirty="0">
               <a:solidFill>
                 <a:srgbClr val="211D1E"/>
               </a:solidFill>
@@ -7698,7 +7745,7 @@
               <a:buAutoNum type="arabicPeriod"/>
             </a:pPr>
             <a:r>
-              <a:rPr lang="ko-KR" altLang="en-US" sz="1200">
+              <a:rPr lang="ko-KR" altLang="en-US" sz="1200" dirty="0">
                 <a:solidFill>
                   <a:srgbClr val="211D1E"/>
                 </a:solidFill>
@@ -7706,7 +7753,7 @@
               </a:rPr>
               <a:t>한글 폰트 검색</a:t>
             </a:r>
-            <a:endParaRPr lang="en-US" altLang="ko-KR" sz="1200">
+            <a:endParaRPr lang="en-US" altLang="ko-KR" sz="1200" dirty="0">
               <a:solidFill>
                 <a:srgbClr val="211D1E"/>
               </a:solidFill>
@@ -7722,7 +7769,7 @@
               <a:buAutoNum type="arabicPeriod"/>
             </a:pPr>
             <a:r>
-              <a:rPr lang="en-US" altLang="ko-KR" sz="1200">
+              <a:rPr lang="en-US" altLang="ko-KR" sz="1200" dirty="0">
                 <a:solidFill>
                   <a:srgbClr val="211D1E"/>
                 </a:solidFill>
@@ -7731,7 +7778,7 @@
               <a:t>Link </a:t>
             </a:r>
             <a:r>
-              <a:rPr lang="ko-KR" altLang="en-US" sz="1200">
+              <a:rPr lang="ko-KR" altLang="en-US" sz="1200" dirty="0">
                 <a:solidFill>
                   <a:srgbClr val="211D1E"/>
                 </a:solidFill>
@@ -7740,7 +7787,7 @@
               <a:t>항목에 있는 소스 복사 </a:t>
             </a:r>
             <a:r>
-              <a:rPr lang="en-US" altLang="ko-KR" sz="1200">
+              <a:rPr lang="en-US" altLang="ko-KR" sz="1200" dirty="0">
                 <a:solidFill>
                   <a:srgbClr val="211D1E"/>
                 </a:solidFill>
@@ -7749,15 +7796,51 @@
               <a:t>&amp; </a:t>
             </a:r>
             <a:r>
-              <a:rPr lang="ko-KR" altLang="en-US" sz="1200">
+              <a:rPr lang="ko-KR" altLang="en-US" sz="1200" dirty="0">
                 <a:solidFill>
                   <a:srgbClr val="211D1E"/>
                 </a:solidFill>
                 <a:latin typeface="TDc_SSiMyungJo 120"/>
               </a:rPr>
-              <a:t>글꼴 이름 기억</a:t>
-            </a:r>
-            <a:endParaRPr lang="en-US" altLang="ko-KR" sz="1200">
+              <a:t>글꼴 이름 </a:t>
+            </a:r>
+            <a:r>
+              <a:rPr lang="ko-KR" altLang="en-US" sz="1200" dirty="0" smtClean="0">
+                <a:solidFill>
+                  <a:srgbClr val="211D1E"/>
+                </a:solidFill>
+                <a:latin typeface="TDc_SSiMyungJo 120"/>
+              </a:rPr>
+              <a:t>기억</a:t>
+            </a:r>
+            <a:r>
+              <a:rPr lang="en-US" altLang="ko-KR" sz="1200" dirty="0" smtClean="0">
+                <a:solidFill>
+                  <a:srgbClr val="211D1E"/>
+                </a:solidFill>
+                <a:latin typeface="TDc_SSiMyungJo 120"/>
+              </a:rPr>
+              <a:t>(head</a:t>
+            </a:r>
+            <a:r>
+              <a:rPr lang="ko-KR" altLang="en-US" sz="1200" dirty="0" err="1" smtClean="0">
+                <a:solidFill>
+                  <a:srgbClr val="211D1E"/>
+                </a:solidFill>
+                <a:latin typeface="TDc_SSiMyungJo 120"/>
+              </a:rPr>
+              <a:t>에들어감</a:t>
+            </a:r>
+            <a:r>
+              <a:rPr lang="en-US" altLang="ko-KR" sz="1200" dirty="0" smtClean="0">
+                <a:solidFill>
+                  <a:srgbClr val="211D1E"/>
+                </a:solidFill>
+                <a:latin typeface="TDc_SSiMyungJo 120"/>
+              </a:rPr>
+              <a:t>)</a:t>
+            </a:r>
+            <a:endParaRPr lang="en-US" altLang="ko-KR" sz="1200" dirty="0">
               <a:solidFill>
                 <a:srgbClr val="211D1E"/>
               </a:solidFill>
@@ -7773,7 +7856,7 @@
               <a:buAutoNum type="arabicPeriod"/>
             </a:pPr>
             <a:r>
-              <a:rPr lang="ko-KR" altLang="en-US" sz="1200">
+              <a:rPr lang="ko-KR" altLang="en-US" sz="1200" dirty="0">
                 <a:solidFill>
                   <a:srgbClr val="211D1E"/>
                 </a:solidFill>
@@ -7782,7 +7865,7 @@
               <a:t>웹 문서의 </a:t>
             </a:r>
             <a:r>
-              <a:rPr lang="en-US" altLang="ko-KR" sz="1200">
+              <a:rPr lang="en-US" altLang="ko-KR" sz="1200" dirty="0">
                 <a:solidFill>
                   <a:srgbClr val="211D1E"/>
                 </a:solidFill>
@@ -7791,15 +7874,33 @@
               <a:t>&lt;style&gt; </a:t>
             </a:r>
             <a:r>
-              <a:rPr lang="ko-KR" altLang="en-US" sz="1200">
+              <a:rPr lang="ko-KR" altLang="en-US" sz="1200" dirty="0">
                 <a:solidFill>
                   <a:srgbClr val="211D1E"/>
                 </a:solidFill>
                 <a:latin typeface="TDc_SSiMyungJo 120"/>
               </a:rPr>
-              <a:t>태그 안에 붙여넣음</a:t>
-            </a:r>
-            <a:endParaRPr lang="en-US" altLang="ko-KR" sz="1200">
+              <a:t>태그 안에 </a:t>
+            </a:r>
+            <a:r>
+              <a:rPr lang="ko-KR" altLang="en-US" sz="1200" dirty="0" err="1" smtClean="0">
+                <a:solidFill>
+                  <a:srgbClr val="211D1E"/>
+                </a:solidFill>
+                <a:latin typeface="TDc_SSiMyungJo 120"/>
+              </a:rPr>
+              <a:t>붙여넣음</a:t>
+            </a:r>
+            <a:r>
+              <a:rPr lang="en-US" altLang="ko-KR" sz="1200" dirty="0" smtClean="0">
+                <a:solidFill>
+                  <a:srgbClr val="211D1E"/>
+                </a:solidFill>
+                <a:latin typeface="TDc_SSiMyungJo 120"/>
+              </a:rPr>
+              <a:t>(@import)</a:t>
+            </a:r>
+            <a:endParaRPr lang="en-US" altLang="ko-KR" sz="1200" dirty="0">
               <a:solidFill>
                 <a:srgbClr val="211D1E"/>
               </a:solidFill>
@@ -7815,7 +7916,7 @@
               <a:buAutoNum type="arabicPeriod"/>
             </a:pPr>
             <a:r>
-              <a:rPr lang="ko-KR" altLang="en-US" sz="1200">
+              <a:rPr lang="ko-KR" altLang="en-US" sz="1200" dirty="0">
                 <a:solidFill>
                   <a:srgbClr val="211D1E"/>
                 </a:solidFill>
@@ -7824,7 +7925,7 @@
               <a:t> </a:t>
             </a:r>
             <a:r>
-              <a:rPr lang="en-US" altLang="ko-KR" sz="1200">
+              <a:rPr lang="en-US" altLang="ko-KR" sz="1200" dirty="0">
                 <a:solidFill>
                   <a:srgbClr val="211D1E"/>
                 </a:solidFill>
@@ -7833,7 +7934,7 @@
               <a:t>font-family </a:t>
             </a:r>
             <a:r>
-              <a:rPr lang="ko-KR" altLang="en-US" sz="1200">
+              <a:rPr lang="ko-KR" altLang="en-US" sz="1200" dirty="0">
                 <a:solidFill>
                   <a:srgbClr val="211D1E"/>
                 </a:solidFill>
@@ -7841,7 +7942,7 @@
               </a:rPr>
               <a:t>속성에서 웹 폰트 글꼴 이름 사용</a:t>
             </a:r>
-            <a:endParaRPr lang="ko-KR" altLang="en-US" sz="1200"/>
+            <a:endParaRPr lang="ko-KR" altLang="en-US" sz="1200" dirty="0"/>
           </a:p>
         </p:txBody>
       </p:sp>
@@ -7850,7 +7951,7 @@
           <p:cNvPr id="5" name="그림 4" descr="텍스트이(가) 표시된 사진&#10;&#10;자동 생성된 설명">
             <a:extLst>
               <a:ext uri="{FF2B5EF4-FFF2-40B4-BE49-F238E27FC236}">
-                <a16:creationId xmlns:a16="http://schemas.microsoft.com/office/drawing/2014/main" id="{52BA528C-3C22-4354-BF63-FD459D3A4579}"/>
+                <a16:creationId xmlns:a16="http://schemas.microsoft.com/office/drawing/2014/main" xmlns="" id="{52BA528C-3C22-4354-BF63-FD459D3A4579}"/>
               </a:ext>
             </a:extLst>
           </p:cNvPr>
@@ -7860,7 +7961,7 @@
           <p:nvPr/>
         </p:nvPicPr>
         <p:blipFill>
-          <a:blip r:embed="rId3">
+          <a:blip r:embed="rId3" cstate="print">
             <a:extLst>
               <a:ext uri="{28A0092B-C50C-407E-A947-70E740481C1C}">
                 <a14:useLocalDpi xmlns:a14="http://schemas.microsoft.com/office/drawing/2010/main" val="0"/>
@@ -7891,7 +7992,7 @@
           <p:cNvPr id="18" name="그림 17">
             <a:extLst>
               <a:ext uri="{FF2B5EF4-FFF2-40B4-BE49-F238E27FC236}">
-                <a16:creationId xmlns:a16="http://schemas.microsoft.com/office/drawing/2014/main" id="{9E857189-B09F-46AD-9524-6223CED42AC1}"/>
+                <a16:creationId xmlns:a16="http://schemas.microsoft.com/office/drawing/2014/main" xmlns="" id="{9E857189-B09F-46AD-9524-6223CED42AC1}"/>
               </a:ext>
             </a:extLst>
           </p:cNvPr>
@@ -7921,7 +8022,7 @@
           <p:cNvPr id="27" name="그룹 26">
             <a:extLst>
               <a:ext uri="{FF2B5EF4-FFF2-40B4-BE49-F238E27FC236}">
-                <a16:creationId xmlns:a16="http://schemas.microsoft.com/office/drawing/2014/main" id="{9D9E29CA-3A7F-4B90-A430-58511474D8BA}"/>
+                <a16:creationId xmlns:a16="http://schemas.microsoft.com/office/drawing/2014/main" xmlns="" id="{9D9E29CA-3A7F-4B90-A430-58511474D8BA}"/>
               </a:ext>
             </a:extLst>
           </p:cNvPr>
@@ -7941,7 +8042,7 @@
             <p:cNvPr id="6" name="직사각형 5">
               <a:extLst>
                 <a:ext uri="{FF2B5EF4-FFF2-40B4-BE49-F238E27FC236}">
-                  <a16:creationId xmlns:a16="http://schemas.microsoft.com/office/drawing/2014/main" id="{CA060807-0F9A-42F2-AE41-C9E61C8875C0}"/>
+                  <a16:creationId xmlns:a16="http://schemas.microsoft.com/office/drawing/2014/main" xmlns="" id="{CA060807-0F9A-42F2-AE41-C9E61C8875C0}"/>
                 </a:ext>
               </a:extLst>
             </p:cNvPr>
@@ -7987,7 +8088,7 @@
             <p:cNvPr id="7" name="직사각형 6">
               <a:extLst>
                 <a:ext uri="{FF2B5EF4-FFF2-40B4-BE49-F238E27FC236}">
-                  <a16:creationId xmlns:a16="http://schemas.microsoft.com/office/drawing/2014/main" id="{8A50C97C-25AC-48E6-8940-C7B710B18A7E}"/>
+                  <a16:creationId xmlns:a16="http://schemas.microsoft.com/office/drawing/2014/main" xmlns="" id="{8A50C97C-25AC-48E6-8940-C7B710B18A7E}"/>
                 </a:ext>
               </a:extLst>
             </p:cNvPr>
@@ -8033,7 +8134,7 @@
             <p:cNvPr id="11" name="그림 10">
               <a:extLst>
                 <a:ext uri="{FF2B5EF4-FFF2-40B4-BE49-F238E27FC236}">
-                  <a16:creationId xmlns:a16="http://schemas.microsoft.com/office/drawing/2014/main" id="{80A19998-F7EE-4085-8B93-48A8571297B4}"/>
+                  <a16:creationId xmlns:a16="http://schemas.microsoft.com/office/drawing/2014/main" xmlns="" id="{80A19998-F7EE-4085-8B93-48A8571297B4}"/>
                 </a:ext>
               </a:extLst>
             </p:cNvPr>
@@ -8063,7 +8164,7 @@
             <p:cNvPr id="20" name="직선 화살표 연결선 19">
               <a:extLst>
                 <a:ext uri="{FF2B5EF4-FFF2-40B4-BE49-F238E27FC236}">
-                  <a16:creationId xmlns:a16="http://schemas.microsoft.com/office/drawing/2014/main" id="{B0C38E3B-95C6-4589-AC93-ADC471134358}"/>
+                  <a16:creationId xmlns:a16="http://schemas.microsoft.com/office/drawing/2014/main" xmlns="" id="{B0C38E3B-95C6-4589-AC93-ADC471134358}"/>
                 </a:ext>
               </a:extLst>
             </p:cNvPr>
@@ -8104,7 +8205,7 @@
             <p:cNvPr id="22" name="직선 화살표 연결선 21">
               <a:extLst>
                 <a:ext uri="{FF2B5EF4-FFF2-40B4-BE49-F238E27FC236}">
-                  <a16:creationId xmlns:a16="http://schemas.microsoft.com/office/drawing/2014/main" id="{019C758B-A38A-4F13-AB96-2386F8B31E42}"/>
+                  <a16:creationId xmlns:a16="http://schemas.microsoft.com/office/drawing/2014/main" xmlns="" id="{019C758B-A38A-4F13-AB96-2386F8B31E42}"/>
                 </a:ext>
               </a:extLst>
             </p:cNvPr>
@@ -8224,7 +8325,7 @@
           <p:cNvPr id="14" name="TextBox 13">
             <a:extLst>
               <a:ext uri="{FF2B5EF4-FFF2-40B4-BE49-F238E27FC236}">
-                <a16:creationId xmlns:a16="http://schemas.microsoft.com/office/drawing/2014/main" id="{04F4595A-F8B5-441B-B2E9-F48B23806CAC}"/>
+                <a16:creationId xmlns:a16="http://schemas.microsoft.com/office/drawing/2014/main" xmlns="" id="{04F4595A-F8B5-441B-B2E9-F48B23806CAC}"/>
               </a:ext>
             </a:extLst>
           </p:cNvPr>
@@ -8263,7 +8364,7 @@
           <p:cNvPr id="16" name="직사각형 15">
             <a:extLst>
               <a:ext uri="{FF2B5EF4-FFF2-40B4-BE49-F238E27FC236}">
-                <a16:creationId xmlns:a16="http://schemas.microsoft.com/office/drawing/2014/main" id="{9890BB22-7351-4953-B72F-C64C45A233C0}"/>
+                <a16:creationId xmlns:a16="http://schemas.microsoft.com/office/drawing/2014/main" xmlns="" id="{9890BB22-7351-4953-B72F-C64C45A233C0}"/>
               </a:ext>
             </a:extLst>
           </p:cNvPr>
@@ -8433,7 +8534,7 @@
           <p:cNvPr id="2" name="그룹 1">
             <a:extLst>
               <a:ext uri="{FF2B5EF4-FFF2-40B4-BE49-F238E27FC236}">
-                <a16:creationId xmlns:a16="http://schemas.microsoft.com/office/drawing/2014/main" id="{24303210-2DF7-493D-BB0E-F880BB704AC3}"/>
+                <a16:creationId xmlns:a16="http://schemas.microsoft.com/office/drawing/2014/main" xmlns="" id="{24303210-2DF7-493D-BB0E-F880BB704AC3}"/>
               </a:ext>
             </a:extLst>
           </p:cNvPr>
@@ -8453,7 +8554,7 @@
             <p:cNvPr id="23" name="직사각형 22">
               <a:extLst>
                 <a:ext uri="{FF2B5EF4-FFF2-40B4-BE49-F238E27FC236}">
-                  <a16:creationId xmlns:a16="http://schemas.microsoft.com/office/drawing/2014/main" id="{71D0E0EB-4E19-4BA8-A859-61CAC2C7C624}"/>
+                  <a16:creationId xmlns:a16="http://schemas.microsoft.com/office/drawing/2014/main" xmlns="" id="{71D0E0EB-4E19-4BA8-A859-61CAC2C7C624}"/>
                 </a:ext>
               </a:extLst>
             </p:cNvPr>
@@ -8500,7 +8601,7 @@
             <p:cNvPr id="26" name="TextBox 25">
               <a:extLst>
                 <a:ext uri="{FF2B5EF4-FFF2-40B4-BE49-F238E27FC236}">
-                  <a16:creationId xmlns:a16="http://schemas.microsoft.com/office/drawing/2014/main" id="{829A0551-ECD4-40F5-B330-A2742ADA14B5}"/>
+                  <a16:creationId xmlns:a16="http://schemas.microsoft.com/office/drawing/2014/main" xmlns="" id="{829A0551-ECD4-40F5-B330-A2742ADA14B5}"/>
                 </a:ext>
               </a:extLst>
             </p:cNvPr>
@@ -8546,7 +8647,7 @@
             <p:cNvPr id="28" name="TextBox 27">
               <a:extLst>
                 <a:ext uri="{FF2B5EF4-FFF2-40B4-BE49-F238E27FC236}">
-                  <a16:creationId xmlns:a16="http://schemas.microsoft.com/office/drawing/2014/main" id="{B9E46717-35DC-4BE1-8F41-89CE598C7D7D}"/>
+                  <a16:creationId xmlns:a16="http://schemas.microsoft.com/office/drawing/2014/main" xmlns="" id="{B9E46717-35DC-4BE1-8F41-89CE598C7D7D}"/>
                 </a:ext>
               </a:extLst>
             </p:cNvPr>
@@ -8660,6 +8761,10 @@
                 <a:rPr lang="ko-KR" altLang="en-US" sz="1100"/>
                 <a:t>투명도를 조절할 때는 마지막에 알파값 추가 </a:t>
               </a:r>
+              <a:r>
+                <a:rPr lang="en-US" altLang="ko-KR" sz="1100"/>
+                <a:t/>
+              </a:r>
               <a:br>
                 <a:rPr lang="en-US" altLang="ko-KR" sz="1100"/>
               </a:br>
@@ -8693,6 +8798,10 @@
                 <a:rPr lang="ko-KR" altLang="en-US" sz="1100"/>
                 <a:t>값 중에서 사용</a:t>
               </a:r>
+              <a:r>
+                <a:rPr lang="en-US" altLang="ko-KR" sz="1100"/>
+                <a:t/>
+              </a:r>
               <a:br>
                 <a:rPr lang="en-US" altLang="ko-KR" sz="1100"/>
               </a:br>
@@ -8725,7 +8834,7 @@
           <p:cNvPr id="3" name="그룹 2">
             <a:extLst>
               <a:ext uri="{FF2B5EF4-FFF2-40B4-BE49-F238E27FC236}">
-                <a16:creationId xmlns:a16="http://schemas.microsoft.com/office/drawing/2014/main" id="{0FD96CA9-F483-422E-B78E-D9472E4DF44B}"/>
+                <a16:creationId xmlns:a16="http://schemas.microsoft.com/office/drawing/2014/main" xmlns="" id="{0FD96CA9-F483-422E-B78E-D9472E4DF44B}"/>
               </a:ext>
             </a:extLst>
           </p:cNvPr>
@@ -8745,7 +8854,7 @@
             <p:cNvPr id="21" name="직사각형 20">
               <a:extLst>
                 <a:ext uri="{FF2B5EF4-FFF2-40B4-BE49-F238E27FC236}">
-                  <a16:creationId xmlns:a16="http://schemas.microsoft.com/office/drawing/2014/main" id="{A89D1B4A-9CD1-4B91-9A2A-0C01A6CB0E70}"/>
+                  <a16:creationId xmlns:a16="http://schemas.microsoft.com/office/drawing/2014/main" xmlns="" id="{A89D1B4A-9CD1-4B91-9A2A-0C01A6CB0E70}"/>
                 </a:ext>
               </a:extLst>
             </p:cNvPr>
@@ -8792,7 +8901,7 @@
             <p:cNvPr id="29" name="TextBox 28">
               <a:extLst>
                 <a:ext uri="{FF2B5EF4-FFF2-40B4-BE49-F238E27FC236}">
-                  <a16:creationId xmlns:a16="http://schemas.microsoft.com/office/drawing/2014/main" id="{A7D158E7-5907-4BF8-A235-A6C8A726246C}"/>
+                  <a16:creationId xmlns:a16="http://schemas.microsoft.com/office/drawing/2014/main" xmlns="" id="{A7D158E7-5907-4BF8-A235-A6C8A726246C}"/>
                 </a:ext>
               </a:extLst>
             </p:cNvPr>
@@ -8838,7 +8947,7 @@
             <p:cNvPr id="30" name="TextBox 29">
               <a:extLst>
                 <a:ext uri="{FF2B5EF4-FFF2-40B4-BE49-F238E27FC236}">
-                  <a16:creationId xmlns:a16="http://schemas.microsoft.com/office/drawing/2014/main" id="{6D88C202-0D7F-4927-AF2C-6243B1D6E03D}"/>
+                  <a16:creationId xmlns:a16="http://schemas.microsoft.com/office/drawing/2014/main" xmlns="" id="{6D88C202-0D7F-4927-AF2C-6243B1D6E03D}"/>
                 </a:ext>
               </a:extLst>
             </p:cNvPr>
@@ -8934,6 +9043,10 @@
                 <a:rPr lang="ko-KR" altLang="en-US" sz="1100"/>
                 <a:t>투명도를 조절할 때는 마지막에 알파값 추가 </a:t>
               </a:r>
+              <a:r>
+                <a:rPr lang="en-US" altLang="ko-KR" sz="1100"/>
+                <a:t/>
+              </a:r>
               <a:br>
                 <a:rPr lang="en-US" altLang="ko-KR" sz="1100"/>
               </a:br>
@@ -8967,6 +9080,10 @@
                 <a:rPr lang="ko-KR" altLang="en-US" sz="1100"/>
                 <a:t>값 중에서 사용</a:t>
               </a:r>
+              <a:r>
+                <a:rPr lang="en-US" altLang="ko-KR" sz="1100"/>
+                <a:t/>
+              </a:r>
               <a:br>
                 <a:rPr lang="en-US" altLang="ko-KR" sz="1100"/>
               </a:br>
@@ -9004,7 +9121,7 @@
           <p:cNvPr id="9" name="그룹 8">
             <a:extLst>
               <a:ext uri="{FF2B5EF4-FFF2-40B4-BE49-F238E27FC236}">
-                <a16:creationId xmlns:a16="http://schemas.microsoft.com/office/drawing/2014/main" id="{A2BDC31C-F33A-434A-8767-F7C130CEA9DE}"/>
+                <a16:creationId xmlns:a16="http://schemas.microsoft.com/office/drawing/2014/main" xmlns="" id="{A2BDC31C-F33A-434A-8767-F7C130CEA9DE}"/>
               </a:ext>
             </a:extLst>
           </p:cNvPr>
@@ -9024,7 +9141,7 @@
             <p:cNvPr id="24" name="직사각형 23">
               <a:extLst>
                 <a:ext uri="{FF2B5EF4-FFF2-40B4-BE49-F238E27FC236}">
-                  <a16:creationId xmlns:a16="http://schemas.microsoft.com/office/drawing/2014/main" id="{2E2612E7-E49F-4B94-B529-1818009F2523}"/>
+                  <a16:creationId xmlns:a16="http://schemas.microsoft.com/office/drawing/2014/main" xmlns="" id="{2E2612E7-E49F-4B94-B529-1818009F2523}"/>
                 </a:ext>
               </a:extLst>
             </p:cNvPr>
@@ -9071,7 +9188,7 @@
             <p:cNvPr id="25" name="TextBox 24">
               <a:extLst>
                 <a:ext uri="{FF2B5EF4-FFF2-40B4-BE49-F238E27FC236}">
-                  <a16:creationId xmlns:a16="http://schemas.microsoft.com/office/drawing/2014/main" id="{6D725DAF-1EE5-4649-AAB3-0BA4E24B4DEA}"/>
+                  <a16:creationId xmlns:a16="http://schemas.microsoft.com/office/drawing/2014/main" xmlns="" id="{6D725DAF-1EE5-4649-AAB3-0BA4E24B4DEA}"/>
                 </a:ext>
               </a:extLst>
             </p:cNvPr>
@@ -9081,7 +9198,7 @@
           <p:spPr>
             <a:xfrm>
               <a:off x="746619" y="1635853"/>
-              <a:ext cx="4130001" cy="1389611"/>
+              <a:ext cx="4130001" cy="1412694"/>
             </a:xfrm>
             <a:prstGeom prst="rect">
               <a:avLst/>
@@ -9102,39 +9219,47 @@
                 <a:buChar char="•"/>
               </a:pPr>
               <a:r>
-                <a:rPr lang="en-US" altLang="ko-KR" sz="1100"/>
-                <a:t>#ffffff </a:t>
-              </a:r>
-              <a:r>
-                <a:rPr lang="ko-KR" altLang="en-US" sz="1100"/>
+                <a:rPr lang="en-US" altLang="ko-KR" sz="1100" dirty="0"/>
+                <a:t>#</a:t>
+              </a:r>
+              <a:r>
+                <a:rPr lang="en-US" altLang="ko-KR" sz="1100" dirty="0" err="1"/>
+                <a:t>ffffff</a:t>
+              </a:r>
+              <a:r>
+                <a:rPr lang="en-US" altLang="ko-KR" sz="1100" dirty="0"/>
+                <a:t> </a:t>
+              </a:r>
+              <a:r>
+                <a:rPr lang="ko-KR" altLang="en-US" sz="1100" dirty="0"/>
                 <a:t>처럼 </a:t>
               </a:r>
               <a:r>
-                <a:rPr lang="en-US" altLang="ko-KR" sz="1100"/>
+                <a:rPr lang="en-US" altLang="ko-KR" sz="1100" dirty="0"/>
                 <a:t>#</a:t>
               </a:r>
               <a:r>
-                <a:rPr lang="ko-KR" altLang="en-US" sz="1100"/>
+                <a:rPr lang="ko-KR" altLang="en-US" sz="1100" dirty="0"/>
                 <a:t>과 함께 </a:t>
               </a:r>
               <a:r>
-                <a:rPr lang="en-US" altLang="ko-KR" sz="1100"/>
+                <a:rPr lang="en-US" altLang="ko-KR" sz="1100" dirty="0"/>
                 <a:t>6</a:t>
               </a:r>
               <a:r>
-                <a:rPr lang="ko-KR" altLang="en-US" sz="1100"/>
+                <a:rPr lang="ko-KR" altLang="en-US" sz="1100" dirty="0"/>
                 <a:t>자리의 </a:t>
               </a:r>
               <a:r>
-                <a:rPr lang="en-US" altLang="ko-KR" sz="1100"/>
+                <a:rPr lang="en-US" altLang="ko-KR" sz="1100" dirty="0"/>
                 <a:t>16</a:t>
               </a:r>
               <a:r>
-                <a:rPr lang="ko-KR" altLang="en-US" sz="1100"/>
+                <a:rPr lang="ko-KR" altLang="en-US" sz="1100" dirty="0"/>
                 <a:t>진수로 표시</a:t>
               </a:r>
               <a:r>
-                <a:rPr lang="en-US" altLang="ko-KR" sz="1100"/>
+                <a:rPr lang="en-US" altLang="ko-KR" sz="1100" dirty="0"/>
                 <a:t>. </a:t>
               </a:r>
             </a:p>
@@ -9147,27 +9272,35 @@
                 <a:buChar char="•"/>
               </a:pPr>
               <a:r>
-                <a:rPr lang="ko-KR" altLang="en-US" sz="1100"/>
-                <a:t>앞에서부터 두자리씩 묶어 빨강</a:t>
-              </a:r>
-              <a:r>
-                <a:rPr lang="en-US" altLang="ko-KR" sz="1100"/>
+                <a:rPr lang="ko-KR" altLang="en-US" sz="1100" dirty="0"/>
+                <a:t>앞에서부터 </a:t>
+              </a:r>
+              <a:r>
+                <a:rPr lang="ko-KR" altLang="en-US" sz="1100" dirty="0" err="1"/>
+                <a:t>두자리씩</a:t>
+              </a:r>
+              <a:r>
+                <a:rPr lang="ko-KR" altLang="en-US" sz="1100" dirty="0"/>
+                <a:t> 묶어 빨강</a:t>
+              </a:r>
+              <a:r>
+                <a:rPr lang="en-US" altLang="ko-KR" sz="1100" dirty="0"/>
                 <a:t>, </a:t>
               </a:r>
               <a:r>
-                <a:rPr lang="ko-KR" altLang="en-US" sz="1100"/>
+                <a:rPr lang="ko-KR" altLang="en-US" sz="1100" dirty="0"/>
                 <a:t>초록</a:t>
               </a:r>
               <a:r>
-                <a:rPr lang="en-US" altLang="ko-KR" sz="1100"/>
+                <a:rPr lang="en-US" altLang="ko-KR" sz="1100" dirty="0"/>
                 <a:t>, </a:t>
               </a:r>
               <a:r>
-                <a:rPr lang="ko-KR" altLang="en-US" sz="1100"/>
+                <a:rPr lang="ko-KR" altLang="en-US" sz="1100" dirty="0"/>
                 <a:t>파랑의 양</a:t>
               </a:r>
               <a:r>
-                <a:rPr lang="en-US" altLang="ko-KR" sz="1100"/>
+                <a:rPr lang="en-US" altLang="ko-KR" sz="1100" dirty="0"/>
                 <a:t>. </a:t>
               </a:r>
             </a:p>
@@ -9180,29 +9313,74 @@
                 <a:buChar char="•"/>
               </a:pPr>
               <a:r>
-                <a:rPr lang="ko-KR" altLang="en-US" sz="1100"/>
+                <a:rPr lang="en-US" altLang="ko-KR" sz="1100" dirty="0" smtClean="0">
+                  <a:solidFill>
+                    <a:srgbClr val="FFC000"/>
+                  </a:solidFill>
+                </a:rPr>
+                <a:t>.</a:t>
+              </a:r>
+              <a:r>
+                <a:rPr lang="ko-KR" altLang="en-US" sz="1100" dirty="0" smtClean="0">
+                  <a:solidFill>
+                    <a:srgbClr val="FFC000"/>
+                  </a:solidFill>
+                </a:rPr>
+                <a:t> </a:t>
+              </a:r>
+              <a:r>
+                <a:rPr lang="ko-KR" altLang="en-US" sz="1100" dirty="0">
+                  <a:solidFill>
+                    <a:srgbClr val="FFC000"/>
+                  </a:solidFill>
+                </a:rPr>
                 <a:t>하나도 섞이지 않았을 때는 </a:t>
               </a:r>
               <a:r>
-                <a:rPr lang="en-US" altLang="ko-KR" sz="1100"/>
+                <a:rPr lang="en-US" altLang="ko-KR" sz="1100" dirty="0">
+                  <a:solidFill>
+                    <a:srgbClr val="FFC000"/>
+                  </a:solidFill>
+                </a:rPr>
                 <a:t>00, </a:t>
               </a:r>
               <a:r>
-                <a:rPr lang="ko-KR" altLang="en-US" sz="1100"/>
+                <a:rPr lang="ko-KR" altLang="en-US" sz="1100" dirty="0">
+                  <a:solidFill>
+                    <a:srgbClr val="FFC000"/>
+                  </a:solidFill>
+                </a:rPr>
                 <a:t>가득 섞였을 때는 </a:t>
               </a:r>
               <a:r>
-                <a:rPr lang="en-US" altLang="ko-KR" sz="1100"/>
+                <a:rPr lang="en-US" altLang="ko-KR" sz="1100" dirty="0" err="1">
+                  <a:solidFill>
+                    <a:srgbClr val="FFC000"/>
+                  </a:solidFill>
+                </a:rPr>
                 <a:t>ff</a:t>
               </a:r>
               <a:r>
-                <a:rPr lang="ko-KR" altLang="en-US" sz="1100"/>
+                <a:rPr lang="ko-KR" altLang="en-US" sz="1100" dirty="0">
+                  <a:solidFill>
+                    <a:srgbClr val="FFC000"/>
+                  </a:solidFill>
+                </a:rPr>
                 <a:t>로 표시</a:t>
               </a:r>
               <a:r>
-                <a:rPr lang="en-US" altLang="ko-KR" sz="1100"/>
-                <a:t>. </a:t>
-              </a:r>
+                <a:rPr lang="en-US" altLang="ko-KR" sz="1100" dirty="0" smtClean="0">
+                  <a:solidFill>
+                    <a:srgbClr val="FFC000"/>
+                  </a:solidFill>
+                </a:rPr>
+                <a:t> </a:t>
+              </a:r>
+              <a:endParaRPr lang="en-US" altLang="ko-KR" sz="1100" dirty="0">
+                <a:solidFill>
+                  <a:srgbClr val="FFC000"/>
+                </a:solidFill>
+              </a:endParaRPr>
             </a:p>
             <a:p>
               <a:pPr marL="285750" indent="-285750">
@@ -9213,23 +9391,31 @@
                 <a:buChar char="•"/>
               </a:pPr>
               <a:r>
-                <a:rPr lang="en-US" altLang="ko-KR" sz="1100"/>
+                <a:rPr lang="en-US" altLang="ko-KR" sz="1100" dirty="0"/>
                 <a:t>000000(</a:t>
               </a:r>
               <a:r>
-                <a:rPr lang="ko-KR" altLang="en-US" sz="1100"/>
+                <a:rPr lang="ko-KR" altLang="en-US" sz="1100" dirty="0"/>
                 <a:t>검은색</a:t>
               </a:r>
               <a:r>
-                <a:rPr lang="en-US" altLang="ko-KR" sz="1100"/>
-                <a:t>) ~ ffffff(</a:t>
-              </a:r>
-              <a:r>
-                <a:rPr lang="ko-KR" altLang="en-US" sz="1100"/>
+                <a:rPr lang="en-US" altLang="ko-KR" sz="1100" dirty="0"/>
+                <a:t>) ~ </a:t>
+              </a:r>
+              <a:r>
+                <a:rPr lang="en-US" altLang="ko-KR" sz="1100" dirty="0" err="1"/>
+                <a:t>ffffff</a:t>
+              </a:r>
+              <a:r>
+                <a:rPr lang="en-US" altLang="ko-KR" sz="1100" dirty="0"/>
+                <a:t>(</a:t>
+              </a:r>
+              <a:r>
+                <a:rPr lang="ko-KR" altLang="en-US" sz="1100" dirty="0"/>
                 <a:t>흰색</a:t>
               </a:r>
               <a:r>
-                <a:rPr lang="en-US" altLang="ko-KR" sz="1100"/>
+                <a:rPr lang="en-US" altLang="ko-KR" sz="1100" dirty="0"/>
                 <a:t>)</a:t>
               </a:r>
             </a:p>
@@ -9242,31 +9428,47 @@
                 <a:buChar char="•"/>
               </a:pPr>
               <a:r>
-                <a:rPr lang="ko-KR" altLang="en-US" sz="1100"/>
-                <a:t>두자리씩 중복될 경우 줄여 사용할 수 있음</a:t>
-              </a:r>
-              <a:r>
-                <a:rPr lang="en-US" altLang="ko-KR" sz="1100"/>
+                <a:rPr lang="ko-KR" altLang="en-US" sz="1100" dirty="0" err="1"/>
+                <a:t>두자리씩</a:t>
+              </a:r>
+              <a:r>
+                <a:rPr lang="ko-KR" altLang="en-US" sz="1100" dirty="0"/>
+                <a:t> 중복될 경우 줄여 사용할 수 있음</a:t>
+              </a:r>
+              <a:r>
+                <a:rPr lang="en-US" altLang="ko-KR" sz="1100" dirty="0"/>
                 <a:t>.</a:t>
               </a:r>
               <a:br>
-                <a:rPr lang="en-US" altLang="ko-KR" sz="1100"/>
+                <a:rPr lang="en-US" altLang="ko-KR" sz="1100" dirty="0"/>
               </a:br>
               <a:r>
-                <a:rPr lang="ko-KR" altLang="en-US" sz="1100"/>
+                <a:rPr lang="ko-KR" altLang="en-US" sz="1100" dirty="0"/>
                 <a:t>예</a:t>
               </a:r>
               <a:r>
-                <a:rPr lang="en-US" altLang="ko-KR" sz="1100"/>
+                <a:rPr lang="en-US" altLang="ko-KR" sz="1100" dirty="0"/>
                 <a:t>) #ffff00 </a:t>
               </a:r>
               <a:r>
-                <a:rPr lang="en-US" altLang="ko-KR" sz="1100">
+                <a:rPr lang="en-US" altLang="ko-KR" sz="1100" dirty="0">
                   <a:sym typeface="Wingdings" panose="05000000000000000000" pitchFamily="2" charset="2"/>
                 </a:rPr>
-                <a:t> #ff0, #cccccc  #ccc</a:t>
-              </a:r>
-              <a:endParaRPr lang="ko-KR" altLang="en-US" sz="1100"/>
+                <a:t> #ff0, #</a:t>
+              </a:r>
+              <a:r>
+                <a:rPr lang="en-US" altLang="ko-KR" sz="1100" dirty="0" err="1">
+                  <a:sym typeface="Wingdings" panose="05000000000000000000" pitchFamily="2" charset="2"/>
+                </a:rPr>
+                <a:t>cccccc</a:t>
+              </a:r>
+              <a:r>
+                <a:rPr lang="en-US" altLang="ko-KR" sz="1100" dirty="0">
+                  <a:sym typeface="Wingdings" panose="05000000000000000000" pitchFamily="2" charset="2"/>
+                </a:rPr>
+                <a:t>  #ccc</a:t>
+              </a:r>
+              <a:endParaRPr lang="ko-KR" altLang="en-US" sz="1100" dirty="0"/>
             </a:p>
           </p:txBody>
         </p:sp>
@@ -9275,7 +9477,7 @@
             <p:cNvPr id="31" name="TextBox 30">
               <a:extLst>
                 <a:ext uri="{FF2B5EF4-FFF2-40B4-BE49-F238E27FC236}">
-                  <a16:creationId xmlns:a16="http://schemas.microsoft.com/office/drawing/2014/main" id="{E987791D-E568-4452-8CF7-FFB1D81AE57B}"/>
+                  <a16:creationId xmlns:a16="http://schemas.microsoft.com/office/drawing/2014/main" xmlns="" id="{E987791D-E568-4452-8CF7-FFB1D81AE57B}"/>
                 </a:ext>
               </a:extLst>
             </p:cNvPr>
@@ -9322,7 +9524,7 @@
           <p:cNvPr id="8" name="그룹 7">
             <a:extLst>
               <a:ext uri="{FF2B5EF4-FFF2-40B4-BE49-F238E27FC236}">
-                <a16:creationId xmlns:a16="http://schemas.microsoft.com/office/drawing/2014/main" id="{ABE099F5-DF64-4F88-936A-DD271798204C}"/>
+                <a16:creationId xmlns:a16="http://schemas.microsoft.com/office/drawing/2014/main" xmlns="" id="{ABE099F5-DF64-4F88-936A-DD271798204C}"/>
               </a:ext>
             </a:extLst>
           </p:cNvPr>
@@ -9342,7 +9544,7 @@
             <p:cNvPr id="19" name="직사각형 18">
               <a:extLst>
                 <a:ext uri="{FF2B5EF4-FFF2-40B4-BE49-F238E27FC236}">
-                  <a16:creationId xmlns:a16="http://schemas.microsoft.com/office/drawing/2014/main" id="{70CB9ABF-782E-4456-A39A-6C5D0BEBB1DF}"/>
+                  <a16:creationId xmlns:a16="http://schemas.microsoft.com/office/drawing/2014/main" xmlns="" id="{70CB9ABF-782E-4456-A39A-6C5D0BEBB1DF}"/>
                 </a:ext>
               </a:extLst>
             </p:cNvPr>
@@ -9389,7 +9591,7 @@
             <p:cNvPr id="32" name="TextBox 31">
               <a:extLst>
                 <a:ext uri="{FF2B5EF4-FFF2-40B4-BE49-F238E27FC236}">
-                  <a16:creationId xmlns:a16="http://schemas.microsoft.com/office/drawing/2014/main" id="{44CCD573-CE27-42F8-8CF8-7F3C14C9C8D1}"/>
+                  <a16:creationId xmlns:a16="http://schemas.microsoft.com/office/drawing/2014/main" xmlns="" id="{44CCD573-CE27-42F8-8CF8-7F3C14C9C8D1}"/>
                 </a:ext>
               </a:extLst>
             </p:cNvPr>
@@ -9431,7 +9633,7 @@
             <p:cNvPr id="33" name="TextBox 32">
               <a:extLst>
                 <a:ext uri="{FF2B5EF4-FFF2-40B4-BE49-F238E27FC236}">
-                  <a16:creationId xmlns:a16="http://schemas.microsoft.com/office/drawing/2014/main" id="{0E919B5B-2614-4D59-A8C0-5876053DF5C3}"/>
+                  <a16:creationId xmlns:a16="http://schemas.microsoft.com/office/drawing/2014/main" xmlns="" id="{0E919B5B-2614-4D59-A8C0-5876053DF5C3}"/>
                 </a:ext>
               </a:extLst>
             </p:cNvPr>
@@ -9590,7 +9792,7 @@
           <p:cNvPr id="2" name="제목 1">
             <a:extLst>
               <a:ext uri="{FF2B5EF4-FFF2-40B4-BE49-F238E27FC236}">
-                <a16:creationId xmlns:a16="http://schemas.microsoft.com/office/drawing/2014/main" id="{7A2E5463-EF52-4D48-A265-916CE9EED2B1}"/>
+                <a16:creationId xmlns:a16="http://schemas.microsoft.com/office/drawing/2014/main" xmlns="" id="{7A2E5463-EF52-4D48-A265-916CE9EED2B1}"/>
               </a:ext>
             </a:extLst>
           </p:cNvPr>
@@ -9618,7 +9820,7 @@
           <p:cNvPr id="3" name="TextBox 2">
             <a:extLst>
               <a:ext uri="{FF2B5EF4-FFF2-40B4-BE49-F238E27FC236}">
-                <a16:creationId xmlns:a16="http://schemas.microsoft.com/office/drawing/2014/main" id="{E2E51AF7-8FDE-4FDA-A961-06ACBF88C30B}"/>
+                <a16:creationId xmlns:a16="http://schemas.microsoft.com/office/drawing/2014/main" xmlns="" id="{E2E51AF7-8FDE-4FDA-A961-06ACBF88C30B}"/>
               </a:ext>
             </a:extLst>
           </p:cNvPr>
@@ -9657,7 +9859,7 @@
           <p:cNvPr id="5" name="직사각형 4">
             <a:extLst>
               <a:ext uri="{FF2B5EF4-FFF2-40B4-BE49-F238E27FC236}">
-                <a16:creationId xmlns:a16="http://schemas.microsoft.com/office/drawing/2014/main" id="{7CB471E2-C0DE-43A1-B840-172B19E88F57}"/>
+                <a16:creationId xmlns:a16="http://schemas.microsoft.com/office/drawing/2014/main" xmlns="" id="{7CB471E2-C0DE-43A1-B840-172B19E88F57}"/>
               </a:ext>
             </a:extLst>
           </p:cNvPr>
@@ -9710,7 +9912,7 @@
           <p:cNvPr id="9" name="그림 8">
             <a:extLst>
               <a:ext uri="{FF2B5EF4-FFF2-40B4-BE49-F238E27FC236}">
-                <a16:creationId xmlns:a16="http://schemas.microsoft.com/office/drawing/2014/main" id="{EBBD82BF-2739-4F51-873B-3ADCF87D70D4}"/>
+                <a16:creationId xmlns:a16="http://schemas.microsoft.com/office/drawing/2014/main" xmlns="" id="{EBBD82BF-2739-4F51-873B-3ADCF87D70D4}"/>
               </a:ext>
             </a:extLst>
           </p:cNvPr>
@@ -9740,7 +9942,7 @@
           <p:cNvPr id="11" name="그림 10">
             <a:extLst>
               <a:ext uri="{FF2B5EF4-FFF2-40B4-BE49-F238E27FC236}">
-                <a16:creationId xmlns:a16="http://schemas.microsoft.com/office/drawing/2014/main" id="{9C2DDF5A-D91C-4B0B-A0AE-E80D0AA461D2}"/>
+                <a16:creationId xmlns:a16="http://schemas.microsoft.com/office/drawing/2014/main" xmlns="" id="{9C2DDF5A-D91C-4B0B-A0AE-E80D0AA461D2}"/>
               </a:ext>
             </a:extLst>
           </p:cNvPr>
@@ -9770,7 +9972,7 @@
           <p:cNvPr id="12" name="TextBox 11">
             <a:extLst>
               <a:ext uri="{FF2B5EF4-FFF2-40B4-BE49-F238E27FC236}">
-                <a16:creationId xmlns:a16="http://schemas.microsoft.com/office/drawing/2014/main" id="{7787336C-825C-4463-A205-2DAD32C9DAA8}"/>
+                <a16:creationId xmlns:a16="http://schemas.microsoft.com/office/drawing/2014/main" xmlns="" id="{7787336C-825C-4463-A205-2DAD32C9DAA8}"/>
               </a:ext>
             </a:extLst>
           </p:cNvPr>
@@ -9809,7 +10011,7 @@
           <p:cNvPr id="13" name="직사각형 12">
             <a:extLst>
               <a:ext uri="{FF2B5EF4-FFF2-40B4-BE49-F238E27FC236}">
-                <a16:creationId xmlns:a16="http://schemas.microsoft.com/office/drawing/2014/main" id="{9C910F82-B0A4-498C-85B8-572E8A932FFA}"/>
+                <a16:creationId xmlns:a16="http://schemas.microsoft.com/office/drawing/2014/main" xmlns="" id="{9C910F82-B0A4-498C-85B8-572E8A932FFA}"/>
               </a:ext>
             </a:extLst>
           </p:cNvPr>
@@ -10083,7 +10285,7 @@
           <p:cNvPr id="15" name="그림 14">
             <a:extLst>
               <a:ext uri="{FF2B5EF4-FFF2-40B4-BE49-F238E27FC236}">
-                <a16:creationId xmlns:a16="http://schemas.microsoft.com/office/drawing/2014/main" id="{EC265775-73AE-435F-8B99-9A2CDBEFE8B7}"/>
+                <a16:creationId xmlns:a16="http://schemas.microsoft.com/office/drawing/2014/main" xmlns="" id="{EC265775-73AE-435F-8B99-9A2CDBEFE8B7}"/>
               </a:ext>
             </a:extLst>
           </p:cNvPr>
@@ -10143,7 +10345,7 @@
           <p:cNvPr id="2" name="제목 1">
             <a:extLst>
               <a:ext uri="{FF2B5EF4-FFF2-40B4-BE49-F238E27FC236}">
-                <a16:creationId xmlns:a16="http://schemas.microsoft.com/office/drawing/2014/main" id="{7A2E5463-EF52-4D48-A265-916CE9EED2B1}"/>
+                <a16:creationId xmlns:a16="http://schemas.microsoft.com/office/drawing/2014/main" xmlns="" id="{7A2E5463-EF52-4D48-A265-916CE9EED2B1}"/>
               </a:ext>
             </a:extLst>
           </p:cNvPr>
@@ -10171,7 +10373,7 @@
           <p:cNvPr id="3" name="TextBox 2">
             <a:extLst>
               <a:ext uri="{FF2B5EF4-FFF2-40B4-BE49-F238E27FC236}">
-                <a16:creationId xmlns:a16="http://schemas.microsoft.com/office/drawing/2014/main" id="{E2E51AF7-8FDE-4FDA-A961-06ACBF88C30B}"/>
+                <a16:creationId xmlns:a16="http://schemas.microsoft.com/office/drawing/2014/main" xmlns="" id="{E2E51AF7-8FDE-4FDA-A961-06ACBF88C30B}"/>
               </a:ext>
             </a:extLst>
           </p:cNvPr>
@@ -10210,7 +10412,7 @@
           <p:cNvPr id="5" name="직사각형 4">
             <a:extLst>
               <a:ext uri="{FF2B5EF4-FFF2-40B4-BE49-F238E27FC236}">
-                <a16:creationId xmlns:a16="http://schemas.microsoft.com/office/drawing/2014/main" id="{7CB471E2-C0DE-43A1-B840-172B19E88F57}"/>
+                <a16:creationId xmlns:a16="http://schemas.microsoft.com/office/drawing/2014/main" xmlns="" id="{7CB471E2-C0DE-43A1-B840-172B19E88F57}"/>
               </a:ext>
             </a:extLst>
           </p:cNvPr>
@@ -10284,7 +10486,7 @@
           <p:cNvPr id="18" name="그림 17">
             <a:extLst>
               <a:ext uri="{FF2B5EF4-FFF2-40B4-BE49-F238E27FC236}">
-                <a16:creationId xmlns:a16="http://schemas.microsoft.com/office/drawing/2014/main" id="{39479C84-70C4-4F0C-B597-FB72027B29DD}"/>
+                <a16:creationId xmlns:a16="http://schemas.microsoft.com/office/drawing/2014/main" xmlns="" id="{39479C84-70C4-4F0C-B597-FB72027B29DD}"/>
               </a:ext>
             </a:extLst>
           </p:cNvPr>
@@ -10314,7 +10516,7 @@
           <p:cNvPr id="20" name="그림 19">
             <a:extLst>
               <a:ext uri="{FF2B5EF4-FFF2-40B4-BE49-F238E27FC236}">
-                <a16:creationId xmlns:a16="http://schemas.microsoft.com/office/drawing/2014/main" id="{F201A7AB-B4E1-409D-8990-7141B6C30B5A}"/>
+                <a16:creationId xmlns:a16="http://schemas.microsoft.com/office/drawing/2014/main" xmlns="" id="{F201A7AB-B4E1-409D-8990-7141B6C30B5A}"/>
               </a:ext>
             </a:extLst>
           </p:cNvPr>
@@ -10344,7 +10546,7 @@
           <p:cNvPr id="22" name="그림 21">
             <a:extLst>
               <a:ext uri="{FF2B5EF4-FFF2-40B4-BE49-F238E27FC236}">
-                <a16:creationId xmlns:a16="http://schemas.microsoft.com/office/drawing/2014/main" id="{35BD0113-741C-4D97-9571-936A620ADC5D}"/>
+                <a16:creationId xmlns:a16="http://schemas.microsoft.com/office/drawing/2014/main" xmlns="" id="{35BD0113-741C-4D97-9571-936A620ADC5D}"/>
               </a:ext>
             </a:extLst>
           </p:cNvPr>
@@ -10404,7 +10606,7 @@
           <p:cNvPr id="2" name="제목 1">
             <a:extLst>
               <a:ext uri="{FF2B5EF4-FFF2-40B4-BE49-F238E27FC236}">
-                <a16:creationId xmlns:a16="http://schemas.microsoft.com/office/drawing/2014/main" id="{7A2E5463-EF52-4D48-A265-916CE9EED2B1}"/>
+                <a16:creationId xmlns:a16="http://schemas.microsoft.com/office/drawing/2014/main" xmlns="" id="{7A2E5463-EF52-4D48-A265-916CE9EED2B1}"/>
               </a:ext>
             </a:extLst>
           </p:cNvPr>
@@ -10432,7 +10634,7 @@
           <p:cNvPr id="12" name="TextBox 11">
             <a:extLst>
               <a:ext uri="{FF2B5EF4-FFF2-40B4-BE49-F238E27FC236}">
-                <a16:creationId xmlns:a16="http://schemas.microsoft.com/office/drawing/2014/main" id="{7787336C-825C-4463-A205-2DAD32C9DAA8}"/>
+                <a16:creationId xmlns:a16="http://schemas.microsoft.com/office/drawing/2014/main" xmlns="" id="{7787336C-825C-4463-A205-2DAD32C9DAA8}"/>
               </a:ext>
             </a:extLst>
           </p:cNvPr>
@@ -10471,7 +10673,7 @@
           <p:cNvPr id="14" name="직사각형 13">
             <a:extLst>
               <a:ext uri="{FF2B5EF4-FFF2-40B4-BE49-F238E27FC236}">
-                <a16:creationId xmlns:a16="http://schemas.microsoft.com/office/drawing/2014/main" id="{9CF6FE27-680A-4837-9FA4-D1816D5BE7C1}"/>
+                <a16:creationId xmlns:a16="http://schemas.microsoft.com/office/drawing/2014/main" xmlns="" id="{9CF6FE27-680A-4837-9FA4-D1816D5BE7C1}"/>
               </a:ext>
             </a:extLst>
           </p:cNvPr>
@@ -10524,7 +10726,7 @@
           <p:cNvPr id="6" name="그림 5">
             <a:extLst>
               <a:ext uri="{FF2B5EF4-FFF2-40B4-BE49-F238E27FC236}">
-                <a16:creationId xmlns:a16="http://schemas.microsoft.com/office/drawing/2014/main" id="{64DC10B0-784C-4F4A-B3D9-B63A40FBE30D}"/>
+                <a16:creationId xmlns:a16="http://schemas.microsoft.com/office/drawing/2014/main" xmlns="" id="{64DC10B0-784C-4F4A-B3D9-B63A40FBE30D}"/>
               </a:ext>
             </a:extLst>
           </p:cNvPr>
@@ -10554,7 +10756,7 @@
           <p:cNvPr id="8" name="그림 7">
             <a:extLst>
               <a:ext uri="{FF2B5EF4-FFF2-40B4-BE49-F238E27FC236}">
-                <a16:creationId xmlns:a16="http://schemas.microsoft.com/office/drawing/2014/main" id="{EF18EAB7-B8F4-4BB9-9C76-38CAA8BAC1C7}"/>
+                <a16:creationId xmlns:a16="http://schemas.microsoft.com/office/drawing/2014/main" xmlns="" id="{EF18EAB7-B8F4-4BB9-9C76-38CAA8BAC1C7}"/>
               </a:ext>
             </a:extLst>
           </p:cNvPr>
@@ -10572,7 +10774,7 @@
         <p:spPr>
           <a:xfrm>
             <a:off x="539551" y="2658415"/>
-            <a:ext cx="4489333" cy="1817111"/>
+            <a:ext cx="5277194" cy="2136007"/>
           </a:xfrm>
           <a:prstGeom prst="rect">
             <a:avLst/>
@@ -10584,7 +10786,7 @@
           <p:cNvPr id="17" name="그림 16">
             <a:extLst>
               <a:ext uri="{FF2B5EF4-FFF2-40B4-BE49-F238E27FC236}">
-                <a16:creationId xmlns:a16="http://schemas.microsoft.com/office/drawing/2014/main" id="{01370FEC-6451-4A3C-9615-EF8750FD3004}"/>
+                <a16:creationId xmlns:a16="http://schemas.microsoft.com/office/drawing/2014/main" xmlns="" id="{01370FEC-6451-4A3C-9615-EF8750FD3004}"/>
               </a:ext>
             </a:extLst>
           </p:cNvPr>
@@ -10609,6 +10811,63 @@
           </a:prstGeom>
         </p:spPr>
       </p:pic>
+      <p:sp>
+        <p:nvSpPr>
+          <p:cNvPr id="3" name="TextBox 2"/>
+          <p:cNvSpPr txBox="1"/>
+          <p:nvPr/>
+        </p:nvSpPr>
+        <p:spPr>
+          <a:xfrm>
+            <a:off x="578840" y="4992130"/>
+            <a:ext cx="4017874" cy="1200329"/>
+          </a:xfrm>
+          <a:prstGeom prst="rect">
+            <a:avLst/>
+          </a:prstGeom>
+          <a:noFill/>
+        </p:spPr>
+        <p:txBody>
+          <a:bodyPr wrap="square" rtlCol="0">
+            <a:spAutoFit/>
+          </a:bodyPr>
+          <a:lstStyle/>
+          <a:p>
+            <a:r>
+              <a:rPr lang="ko-KR" altLang="en-US" dirty="0" err="1" smtClean="0"/>
+              <a:t>글자하나나는</a:t>
+            </a:r>
+            <a:r>
+              <a:rPr lang="ko-KR" altLang="en-US" dirty="0" smtClean="0"/>
+              <a:t> 사이즈같이 </a:t>
+            </a:r>
+            <a:r>
+              <a:rPr lang="ko-KR" altLang="en-US" dirty="0" err="1" smtClean="0"/>
+              <a:t>적용하는것이</a:t>
+            </a:r>
+            <a:r>
+              <a:rPr lang="ko-KR" altLang="en-US" dirty="0" smtClean="0"/>
+              <a:t>  폰트</a:t>
+            </a:r>
+            <a:endParaRPr lang="en-US" altLang="ko-KR" dirty="0" smtClean="0"/>
+          </a:p>
+          <a:p>
+            <a:r>
+              <a:rPr lang="ko-KR" altLang="en-US" dirty="0" smtClean="0"/>
+              <a:t>높이나 </a:t>
+            </a:r>
+            <a:r>
+              <a:rPr lang="ko-KR" altLang="en-US" dirty="0" err="1" smtClean="0"/>
+              <a:t>데코레이션은</a:t>
+            </a:r>
+            <a:r>
+              <a:rPr lang="ko-KR" altLang="en-US" dirty="0" smtClean="0"/>
+              <a:t> 글자의 대한 속성은 텍스트</a:t>
+            </a:r>
+            <a:endParaRPr lang="ko-KR" altLang="en-US" dirty="0"/>
+          </a:p>
+        </p:txBody>
+      </p:sp>
     </p:spTree>
     <p:extLst>
       <p:ext uri="{BB962C8B-B14F-4D97-AF65-F5344CB8AC3E}">
@@ -10911,7 +11170,7 @@
   <a:extraClrSchemeLst/>
   <a:extLst>
     <a:ext uri="{05A4C25C-085E-4340-85A3-A5531E510DB2}">
-      <thm15:themeFamily xmlns:thm15="http://schemas.microsoft.com/office/thememl/2012/main" name="HCJ" id="{0138D6AD-1EF3-49F9-B0E7-D994D6EA1170}" vid="{0129D1E7-6EDF-4F3F-8503-6FA2AFD39B8A}"/>
+      <thm15:themeFamily xmlns:thm15="http://schemas.microsoft.com/office/thememl/2012/main" xmlns="" name="HCJ" id="{0138D6AD-1EF3-49F9-B0E7-D994D6EA1170}" vid="{0129D1E7-6EDF-4F3F-8503-6FA2AFD39B8A}"/>
     </a:ext>
   </a:extLst>
 </a:theme>
